--- a/api-days-paris-dec-2018/img/compass-examples.pptx
+++ b/api-days-paris-dec-2018/img/compass-examples.pptx
@@ -105,6 +105,11 @@
       </a:defRPr>
     </a:lvl9pPr>
   </p:defaultTextStyle>
+  <p:extLst>
+    <p:ext uri="{EFAFB233-063F-42B5-8137-9DF3F51BA10A}">
+      <p15:sldGuideLst xmlns:p15="http://schemas.microsoft.com/office/powerpoint/2012/main"/>
+    </p:ext>
+  </p:extLst>
 </p:presentation>
 </file>
 
@@ -122,37 +127,7 @@
     </mc:Fallback>
   </mc:AlternateContent>
   <c:chart>
-    <c:title>
-      <c:overlay val="0"/>
-      <c:spPr>
-        <a:noFill/>
-        <a:ln>
-          <a:noFill/>
-        </a:ln>
-        <a:effectLst/>
-      </c:spPr>
-      <c:txPr>
-        <a:bodyPr rot="0" spcFirstLastPara="1" vertOverflow="ellipsis" vert="horz" wrap="square" anchor="ctr" anchorCtr="1"/>
-        <a:lstStyle/>
-        <a:p>
-          <a:pPr>
-            <a:defRPr sz="1862" b="0" i="0" u="none" strike="noStrike" kern="1200" spc="0" baseline="0">
-              <a:solidFill>
-                <a:schemeClr val="tx1">
-                  <a:lumMod val="65000"/>
-                  <a:lumOff val="35000"/>
-                </a:schemeClr>
-              </a:solidFill>
-              <a:latin typeface="+mn-lt"/>
-              <a:ea typeface="+mn-ea"/>
-              <a:cs typeface="+mn-cs"/>
-            </a:defRPr>
-          </a:pPr>
-          <a:endParaRPr lang="en-US"/>
-        </a:p>
-      </c:txPr>
-    </c:title>
-    <c:autoTitleDeleted val="0"/>
+    <c:autoTitleDeleted val="1"/>
     <c:plotArea>
       <c:layout/>
       <c:radarChart>
@@ -551,37 +526,7 @@
     </mc:Fallback>
   </mc:AlternateContent>
   <c:chart>
-    <c:title>
-      <c:overlay val="0"/>
-      <c:spPr>
-        <a:noFill/>
-        <a:ln>
-          <a:noFill/>
-        </a:ln>
-        <a:effectLst/>
-      </c:spPr>
-      <c:txPr>
-        <a:bodyPr rot="0" spcFirstLastPara="1" vertOverflow="ellipsis" vert="horz" wrap="square" anchor="ctr" anchorCtr="1"/>
-        <a:lstStyle/>
-        <a:p>
-          <a:pPr>
-            <a:defRPr sz="1862" b="0" i="0" u="none" strike="noStrike" kern="1200" spc="0" baseline="0">
-              <a:solidFill>
-                <a:schemeClr val="tx1">
-                  <a:lumMod val="65000"/>
-                  <a:lumOff val="35000"/>
-                </a:schemeClr>
-              </a:solidFill>
-              <a:latin typeface="+mn-lt"/>
-              <a:ea typeface="+mn-ea"/>
-              <a:cs typeface="+mn-cs"/>
-            </a:defRPr>
-          </a:pPr>
-          <a:endParaRPr lang="en-US"/>
-        </a:p>
-      </c:txPr>
-    </c:title>
-    <c:autoTitleDeleted val="0"/>
+    <c:autoTitleDeleted val="1"/>
     <c:plotArea>
       <c:layout/>
       <c:radarChart>
@@ -596,7 +541,7 @@
               <c:strCache>
                 <c:ptCount val="1"/>
                 <c:pt idx="0">
-                  <c:v>Series 1</c:v>
+                  <c:v>Unit A</c:v>
                 </c:pt>
               </c:strCache>
             </c:strRef>
@@ -652,19 +597,28 @@
                 <c:formatCode>General</c:formatCode>
                 <c:ptCount val="8"/>
                 <c:pt idx="0">
-                  <c:v>32</c:v>
+                  <c:v>1</c:v>
                 </c:pt>
                 <c:pt idx="1">
-                  <c:v>32</c:v>
+                  <c:v>1</c:v>
                 </c:pt>
                 <c:pt idx="2">
-                  <c:v>28</c:v>
+                  <c:v>1</c:v>
                 </c:pt>
                 <c:pt idx="3">
-                  <c:v>12</c:v>
+                  <c:v>1</c:v>
                 </c:pt>
                 <c:pt idx="4">
-                  <c:v>15</c:v>
+                  <c:v>5</c:v>
+                </c:pt>
+                <c:pt idx="5">
+                  <c:v>4</c:v>
+                </c:pt>
+                <c:pt idx="6">
+                  <c:v>7</c:v>
+                </c:pt>
+                <c:pt idx="7">
+                  <c:v>1</c:v>
                 </c:pt>
               </c:numCache>
             </c:numRef>
@@ -684,7 +638,7 @@
               <c:strCache>
                 <c:ptCount val="1"/>
                 <c:pt idx="0">
-                  <c:v>Series 2</c:v>
+                  <c:v>Unit B</c:v>
                 </c:pt>
               </c:strCache>
             </c:strRef>
@@ -740,19 +694,28 @@
                 <c:formatCode>General</c:formatCode>
                 <c:ptCount val="8"/>
                 <c:pt idx="0">
-                  <c:v>12</c:v>
+                  <c:v>4</c:v>
                 </c:pt>
                 <c:pt idx="1">
-                  <c:v>12</c:v>
+                  <c:v>5</c:v>
                 </c:pt>
                 <c:pt idx="2">
-                  <c:v>12</c:v>
+                  <c:v>7</c:v>
                 </c:pt>
                 <c:pt idx="3">
-                  <c:v>21</c:v>
+                  <c:v>9</c:v>
                 </c:pt>
                 <c:pt idx="4">
-                  <c:v>28</c:v>
+                  <c:v>8</c:v>
+                </c:pt>
+                <c:pt idx="5">
+                  <c:v>5</c:v>
+                </c:pt>
+                <c:pt idx="6">
+                  <c:v>10</c:v>
+                </c:pt>
+                <c:pt idx="7">
+                  <c:v>2</c:v>
                 </c:pt>
               </c:numCache>
             </c:numRef>
@@ -760,6 +723,297 @@
           <c:extLst>
             <c:ext xmlns:c16="http://schemas.microsoft.com/office/drawing/2014/chart" uri="{C3380CC4-5D6E-409C-BE32-E72D297353CC}">
               <c16:uniqueId val="{00000001-3796-1745-B62B-6854584EB22C}"/>
+            </c:ext>
+          </c:extLst>
+        </c:ser>
+        <c:ser>
+          <c:idx val="2"/>
+          <c:order val="2"/>
+          <c:tx>
+            <c:strRef>
+              <c:f>Sheet1!$D$1</c:f>
+              <c:strCache>
+                <c:ptCount val="1"/>
+                <c:pt idx="0">
+                  <c:v>Unit C</c:v>
+                </c:pt>
+              </c:strCache>
+            </c:strRef>
+          </c:tx>
+          <c:spPr>
+            <a:ln w="28575" cap="rnd">
+              <a:solidFill>
+                <a:schemeClr val="accent3"/>
+              </a:solidFill>
+              <a:round/>
+            </a:ln>
+            <a:effectLst/>
+          </c:spPr>
+          <c:marker>
+            <c:symbol val="none"/>
+          </c:marker>
+          <c:cat>
+            <c:strRef>
+              <c:f>Sheet1!$A$2:$A$9</c:f>
+              <c:strCache>
+                <c:ptCount val="8"/>
+                <c:pt idx="0">
+                  <c:v>Variety</c:v>
+                </c:pt>
+                <c:pt idx="1">
+                  <c:v>Vocabulary</c:v>
+                </c:pt>
+                <c:pt idx="2">
+                  <c:v>Volume</c:v>
+                </c:pt>
+                <c:pt idx="3">
+                  <c:v>Velocity</c:v>
+                </c:pt>
+                <c:pt idx="4">
+                  <c:v>Vulnerability</c:v>
+                </c:pt>
+                <c:pt idx="5">
+                  <c:v>Visibility</c:v>
+                </c:pt>
+                <c:pt idx="6">
+                  <c:v>Versioning</c:v>
+                </c:pt>
+                <c:pt idx="7">
+                  <c:v>Volatility</c:v>
+                </c:pt>
+              </c:strCache>
+            </c:strRef>
+          </c:cat>
+          <c:val>
+            <c:numRef>
+              <c:f>Sheet1!$D$2:$D$9</c:f>
+              <c:numCache>
+                <c:formatCode>General</c:formatCode>
+                <c:ptCount val="8"/>
+                <c:pt idx="0">
+                  <c:v>3</c:v>
+                </c:pt>
+                <c:pt idx="1">
+                  <c:v>2</c:v>
+                </c:pt>
+                <c:pt idx="2">
+                  <c:v>3</c:v>
+                </c:pt>
+                <c:pt idx="3">
+                  <c:v>4</c:v>
+                </c:pt>
+                <c:pt idx="4">
+                  <c:v>6</c:v>
+                </c:pt>
+                <c:pt idx="5">
+                  <c:v>6</c:v>
+                </c:pt>
+                <c:pt idx="6">
+                  <c:v>8</c:v>
+                </c:pt>
+                <c:pt idx="7">
+                  <c:v>2</c:v>
+                </c:pt>
+              </c:numCache>
+            </c:numRef>
+          </c:val>
+          <c:extLst>
+            <c:ext xmlns:c16="http://schemas.microsoft.com/office/drawing/2014/chart" uri="{C3380CC4-5D6E-409C-BE32-E72D297353CC}">
+              <c16:uniqueId val="{00000000-5C38-3745-8815-D53C7E4B6856}"/>
+            </c:ext>
+          </c:extLst>
+        </c:ser>
+        <c:ser>
+          <c:idx val="3"/>
+          <c:order val="3"/>
+          <c:tx>
+            <c:strRef>
+              <c:f>Sheet1!$E$1</c:f>
+              <c:strCache>
+                <c:ptCount val="1"/>
+                <c:pt idx="0">
+                  <c:v>Unit D</c:v>
+                </c:pt>
+              </c:strCache>
+            </c:strRef>
+          </c:tx>
+          <c:spPr>
+            <a:ln w="28575" cap="rnd">
+              <a:solidFill>
+                <a:schemeClr val="accent4"/>
+              </a:solidFill>
+              <a:round/>
+            </a:ln>
+            <a:effectLst/>
+          </c:spPr>
+          <c:marker>
+            <c:symbol val="none"/>
+          </c:marker>
+          <c:cat>
+            <c:strRef>
+              <c:f>Sheet1!$A$2:$A$9</c:f>
+              <c:strCache>
+                <c:ptCount val="8"/>
+                <c:pt idx="0">
+                  <c:v>Variety</c:v>
+                </c:pt>
+                <c:pt idx="1">
+                  <c:v>Vocabulary</c:v>
+                </c:pt>
+                <c:pt idx="2">
+                  <c:v>Volume</c:v>
+                </c:pt>
+                <c:pt idx="3">
+                  <c:v>Velocity</c:v>
+                </c:pt>
+                <c:pt idx="4">
+                  <c:v>Vulnerability</c:v>
+                </c:pt>
+                <c:pt idx="5">
+                  <c:v>Visibility</c:v>
+                </c:pt>
+                <c:pt idx="6">
+                  <c:v>Versioning</c:v>
+                </c:pt>
+                <c:pt idx="7">
+                  <c:v>Volatility</c:v>
+                </c:pt>
+              </c:strCache>
+            </c:strRef>
+          </c:cat>
+          <c:val>
+            <c:numRef>
+              <c:f>Sheet1!$E$2:$E$9</c:f>
+              <c:numCache>
+                <c:formatCode>General</c:formatCode>
+                <c:ptCount val="8"/>
+                <c:pt idx="0">
+                  <c:v>8</c:v>
+                </c:pt>
+                <c:pt idx="1">
+                  <c:v>3</c:v>
+                </c:pt>
+                <c:pt idx="2">
+                  <c:v>3</c:v>
+                </c:pt>
+                <c:pt idx="3">
+                  <c:v>3</c:v>
+                </c:pt>
+                <c:pt idx="4">
+                  <c:v>8</c:v>
+                </c:pt>
+                <c:pt idx="5">
+                  <c:v>2</c:v>
+                </c:pt>
+                <c:pt idx="6">
+                  <c:v>6</c:v>
+                </c:pt>
+                <c:pt idx="7">
+                  <c:v>1</c:v>
+                </c:pt>
+              </c:numCache>
+            </c:numRef>
+          </c:val>
+          <c:extLst>
+            <c:ext xmlns:c16="http://schemas.microsoft.com/office/drawing/2014/chart" uri="{C3380CC4-5D6E-409C-BE32-E72D297353CC}">
+              <c16:uniqueId val="{00000001-5C38-3745-8815-D53C7E4B6856}"/>
+            </c:ext>
+          </c:extLst>
+        </c:ser>
+        <c:ser>
+          <c:idx val="4"/>
+          <c:order val="4"/>
+          <c:tx>
+            <c:strRef>
+              <c:f>Sheet1!$F$1</c:f>
+              <c:strCache>
+                <c:ptCount val="1"/>
+                <c:pt idx="0">
+                  <c:v>Unit E</c:v>
+                </c:pt>
+              </c:strCache>
+            </c:strRef>
+          </c:tx>
+          <c:spPr>
+            <a:ln w="28575" cap="rnd">
+              <a:solidFill>
+                <a:schemeClr val="accent5"/>
+              </a:solidFill>
+              <a:round/>
+            </a:ln>
+            <a:effectLst/>
+          </c:spPr>
+          <c:marker>
+            <c:symbol val="none"/>
+          </c:marker>
+          <c:cat>
+            <c:strRef>
+              <c:f>Sheet1!$A$2:$A$9</c:f>
+              <c:strCache>
+                <c:ptCount val="8"/>
+                <c:pt idx="0">
+                  <c:v>Variety</c:v>
+                </c:pt>
+                <c:pt idx="1">
+                  <c:v>Vocabulary</c:v>
+                </c:pt>
+                <c:pt idx="2">
+                  <c:v>Volume</c:v>
+                </c:pt>
+                <c:pt idx="3">
+                  <c:v>Velocity</c:v>
+                </c:pt>
+                <c:pt idx="4">
+                  <c:v>Vulnerability</c:v>
+                </c:pt>
+                <c:pt idx="5">
+                  <c:v>Visibility</c:v>
+                </c:pt>
+                <c:pt idx="6">
+                  <c:v>Versioning</c:v>
+                </c:pt>
+                <c:pt idx="7">
+                  <c:v>Volatility</c:v>
+                </c:pt>
+              </c:strCache>
+            </c:strRef>
+          </c:cat>
+          <c:val>
+            <c:numRef>
+              <c:f>Sheet1!$F$2:$F$9</c:f>
+              <c:numCache>
+                <c:formatCode>General</c:formatCode>
+                <c:ptCount val="8"/>
+                <c:pt idx="0">
+                  <c:v>4</c:v>
+                </c:pt>
+                <c:pt idx="1">
+                  <c:v>2</c:v>
+                </c:pt>
+                <c:pt idx="2">
+                  <c:v>7</c:v>
+                </c:pt>
+                <c:pt idx="3">
+                  <c:v>2</c:v>
+                </c:pt>
+                <c:pt idx="4">
+                  <c:v>8</c:v>
+                </c:pt>
+                <c:pt idx="5">
+                  <c:v>1</c:v>
+                </c:pt>
+                <c:pt idx="6">
+                  <c:v>8</c:v>
+                </c:pt>
+                <c:pt idx="7">
+                  <c:v>2</c:v>
+                </c:pt>
+              </c:numCache>
+            </c:numRef>
+          </c:val>
+          <c:extLst>
+            <c:ext xmlns:c16="http://schemas.microsoft.com/office/drawing/2014/chart" uri="{C3380CC4-5D6E-409C-BE32-E72D297353CC}">
+              <c16:uniqueId val="{00000002-5C38-3745-8815-D53C7E4B6856}"/>
             </c:ext>
           </c:extLst>
         </c:ser>
@@ -2191,7 +2445,7 @@
           <a:p>
             <a:fld id="{6FDFEAE3-4176-2B4C-A000-672E134A4749}" type="datetimeFigureOut">
               <a:rPr lang="en-US" smtClean="0"/>
-              <a:t>12/8/18</a:t>
+              <a:t>12/9/18</a:t>
             </a:fld>
             <a:endParaRPr lang="en-US"/>
           </a:p>
@@ -2389,7 +2643,7 @@
           <a:p>
             <a:fld id="{6FDFEAE3-4176-2B4C-A000-672E134A4749}" type="datetimeFigureOut">
               <a:rPr lang="en-US" smtClean="0"/>
-              <a:t>12/8/18</a:t>
+              <a:t>12/9/18</a:t>
             </a:fld>
             <a:endParaRPr lang="en-US"/>
           </a:p>
@@ -2597,7 +2851,7 @@
           <a:p>
             <a:fld id="{6FDFEAE3-4176-2B4C-A000-672E134A4749}" type="datetimeFigureOut">
               <a:rPr lang="en-US" smtClean="0"/>
-              <a:t>12/8/18</a:t>
+              <a:t>12/9/18</a:t>
             </a:fld>
             <a:endParaRPr lang="en-US"/>
           </a:p>
@@ -2795,7 +3049,7 @@
           <a:p>
             <a:fld id="{6FDFEAE3-4176-2B4C-A000-672E134A4749}" type="datetimeFigureOut">
               <a:rPr lang="en-US" smtClean="0"/>
-              <a:t>12/8/18</a:t>
+              <a:t>12/9/18</a:t>
             </a:fld>
             <a:endParaRPr lang="en-US"/>
           </a:p>
@@ -3070,7 +3324,7 @@
           <a:p>
             <a:fld id="{6FDFEAE3-4176-2B4C-A000-672E134A4749}" type="datetimeFigureOut">
               <a:rPr lang="en-US" smtClean="0"/>
-              <a:t>12/8/18</a:t>
+              <a:t>12/9/18</a:t>
             </a:fld>
             <a:endParaRPr lang="en-US"/>
           </a:p>
@@ -3335,7 +3589,7 @@
           <a:p>
             <a:fld id="{6FDFEAE3-4176-2B4C-A000-672E134A4749}" type="datetimeFigureOut">
               <a:rPr lang="en-US" smtClean="0"/>
-              <a:t>12/8/18</a:t>
+              <a:t>12/9/18</a:t>
             </a:fld>
             <a:endParaRPr lang="en-US"/>
           </a:p>
@@ -3747,7 +4001,7 @@
           <a:p>
             <a:fld id="{6FDFEAE3-4176-2B4C-A000-672E134A4749}" type="datetimeFigureOut">
               <a:rPr lang="en-US" smtClean="0"/>
-              <a:t>12/8/18</a:t>
+              <a:t>12/9/18</a:t>
             </a:fld>
             <a:endParaRPr lang="en-US"/>
           </a:p>
@@ -3888,7 +4142,7 @@
           <a:p>
             <a:fld id="{6FDFEAE3-4176-2B4C-A000-672E134A4749}" type="datetimeFigureOut">
               <a:rPr lang="en-US" smtClean="0"/>
-              <a:t>12/8/18</a:t>
+              <a:t>12/9/18</a:t>
             </a:fld>
             <a:endParaRPr lang="en-US"/>
           </a:p>
@@ -4001,7 +4255,7 @@
           <a:p>
             <a:fld id="{6FDFEAE3-4176-2B4C-A000-672E134A4749}" type="datetimeFigureOut">
               <a:rPr lang="en-US" smtClean="0"/>
-              <a:t>12/8/18</a:t>
+              <a:t>12/9/18</a:t>
             </a:fld>
             <a:endParaRPr lang="en-US"/>
           </a:p>
@@ -4312,7 +4566,7 @@
           <a:p>
             <a:fld id="{6FDFEAE3-4176-2B4C-A000-672E134A4749}" type="datetimeFigureOut">
               <a:rPr lang="en-US" smtClean="0"/>
-              <a:t>12/8/18</a:t>
+              <a:t>12/9/18</a:t>
             </a:fld>
             <a:endParaRPr lang="en-US"/>
           </a:p>
@@ -4600,7 +4854,7 @@
           <a:p>
             <a:fld id="{6FDFEAE3-4176-2B4C-A000-672E134A4749}" type="datetimeFigureOut">
               <a:rPr lang="en-US" smtClean="0"/>
-              <a:t>12/8/18</a:t>
+              <a:t>12/9/18</a:t>
             </a:fld>
             <a:endParaRPr lang="en-US"/>
           </a:p>
@@ -4841,7 +5095,7 @@
           <a:p>
             <a:fld id="{6FDFEAE3-4176-2B4C-A000-672E134A4749}" type="datetimeFigureOut">
               <a:rPr lang="en-US" smtClean="0"/>
-              <a:t>12/8/18</a:t>
+              <a:t>12/9/18</a:t>
             </a:fld>
             <a:endParaRPr lang="en-US"/>
           </a:p>
@@ -5271,7 +5525,7 @@
           <p:nvPr>
             <p:extLst>
               <p:ext uri="{D42A27DB-BD31-4B8C-83A1-F6EECF244321}">
-                <p14:modId xmlns:p14="http://schemas.microsoft.com/office/powerpoint/2010/main" val="4148794313"/>
+                <p14:modId xmlns:p14="http://schemas.microsoft.com/office/powerpoint/2010/main" val="1583036747"/>
               </p:ext>
             </p:extLst>
           </p:nvPr>
@@ -5329,7 +5583,7 @@
           <p:nvPr>
             <p:extLst>
               <p:ext uri="{D42A27DB-BD31-4B8C-83A1-F6EECF244321}">
-                <p14:modId xmlns:p14="http://schemas.microsoft.com/office/powerpoint/2010/main" val="3680648579"/>
+                <p14:modId xmlns:p14="http://schemas.microsoft.com/office/powerpoint/2010/main" val="2247753435"/>
               </p:ext>
             </p:extLst>
           </p:nvPr>
@@ -5344,6 +5598,38 @@
           </a:graphicData>
         </a:graphic>
       </p:graphicFrame>
+      <p:sp>
+        <p:nvSpPr>
+          <p:cNvPr id="3" name="TextBox 2">
+            <a:extLst>
+              <a:ext uri="{FF2B5EF4-FFF2-40B4-BE49-F238E27FC236}">
+                <a16:creationId xmlns:a16="http://schemas.microsoft.com/office/drawing/2014/main" id="{4B2F95CB-603F-0341-A868-46B1EA99F300}"/>
+              </a:ext>
+            </a:extLst>
+          </p:cNvPr>
+          <p:cNvSpPr txBox="1"/>
+          <p:nvPr/>
+        </p:nvSpPr>
+        <p:spPr>
+          <a:xfrm>
+            <a:off x="10363200" y="1981200"/>
+            <a:ext cx="184731" cy="369332"/>
+          </a:xfrm>
+          <a:prstGeom prst="rect">
+            <a:avLst/>
+          </a:prstGeom>
+          <a:noFill/>
+        </p:spPr>
+        <p:txBody>
+          <a:bodyPr wrap="none" rtlCol="0">
+            <a:spAutoFit/>
+          </a:bodyPr>
+          <a:lstStyle/>
+          <a:p>
+            <a:endParaRPr lang="en-US" dirty="0"/>
+          </a:p>
+        </p:txBody>
+      </p:sp>
     </p:spTree>
     <p:extLst>
       <p:ext uri="{BB962C8B-B14F-4D97-AF65-F5344CB8AC3E}">

--- a/api-days-paris-dec-2018/img/compass-examples.pptx
+++ b/api-days-paris-dec-2018/img/compass-examples.pptx
@@ -5,8 +5,9 @@
     <p:sldMasterId id="2147483648" r:id="rId1"/>
   </p:sldMasterIdLst>
   <p:sldIdLst>
-    <p:sldId id="256" r:id="rId2"/>
-    <p:sldId id="257" r:id="rId3"/>
+    <p:sldId id="257" r:id="rId2"/>
+    <p:sldId id="258" r:id="rId3"/>
+    <p:sldId id="256" r:id="rId4"/>
   </p:sldIdLst>
   <p:sldSz cx="12192000" cy="6858000"/>
   <p:notesSz cx="6858000" cy="9144000"/>
@@ -142,7 +143,7 @@
               <c:strCache>
                 <c:ptCount val="1"/>
                 <c:pt idx="0">
-                  <c:v>Series 1</c:v>
+                  <c:v>Unit A</c:v>
                 </c:pt>
               </c:strCache>
             </c:strRef>
@@ -161,69 +162,72 @@
           </c:marker>
           <c:cat>
             <c:strRef>
-              <c:f>Sheet1!$A$2:$A$11</c:f>
+              <c:f>Sheet1!$A$2:$A$9</c:f>
               <c:strCache>
-                <c:ptCount val="10"/>
+                <c:ptCount val="8"/>
                 <c:pt idx="0">
-                  <c:v>Strategy</c:v>
+                  <c:v>Variety</c:v>
                 </c:pt>
                 <c:pt idx="1">
-                  <c:v>Design</c:v>
+                  <c:v>Vocabulary</c:v>
                 </c:pt>
                 <c:pt idx="2">
-                  <c:v>Documentation</c:v>
+                  <c:v>Volume</c:v>
                 </c:pt>
                 <c:pt idx="3">
-                  <c:v>Development</c:v>
+                  <c:v>Velocity</c:v>
                 </c:pt>
                 <c:pt idx="4">
-                  <c:v>Testing</c:v>
+                  <c:v>Vulnerability</c:v>
                 </c:pt>
                 <c:pt idx="5">
-                  <c:v>Deployment</c:v>
+                  <c:v>Visibility</c:v>
                 </c:pt>
                 <c:pt idx="6">
-                  <c:v>Security</c:v>
+                  <c:v>Versioning</c:v>
                 </c:pt>
                 <c:pt idx="7">
-                  <c:v>Monitoring</c:v>
-                </c:pt>
-                <c:pt idx="8">
-                  <c:v>Discovery</c:v>
-                </c:pt>
-                <c:pt idx="9">
-                  <c:v>Change Management</c:v>
+                  <c:v>Volatility</c:v>
                 </c:pt>
               </c:strCache>
             </c:strRef>
           </c:cat>
           <c:val>
             <c:numRef>
-              <c:f>Sheet1!$B$2:$B$11</c:f>
+              <c:f>Sheet1!$B$2:$B$9</c:f>
               <c:numCache>
                 <c:formatCode>General</c:formatCode>
-                <c:ptCount val="10"/>
+                <c:ptCount val="8"/>
                 <c:pt idx="0">
-                  <c:v>32</c:v>
+                  <c:v>1</c:v>
                 </c:pt>
                 <c:pt idx="1">
-                  <c:v>32</c:v>
+                  <c:v>1</c:v>
                 </c:pt>
                 <c:pt idx="2">
-                  <c:v>28</c:v>
+                  <c:v>1</c:v>
                 </c:pt>
                 <c:pt idx="3">
-                  <c:v>12</c:v>
+                  <c:v>1</c:v>
                 </c:pt>
                 <c:pt idx="4">
-                  <c:v>15</c:v>
+                  <c:v>5</c:v>
+                </c:pt>
+                <c:pt idx="5">
+                  <c:v>4</c:v>
+                </c:pt>
+                <c:pt idx="6">
+                  <c:v>7</c:v>
+                </c:pt>
+                <c:pt idx="7">
+                  <c:v>1</c:v>
                 </c:pt>
               </c:numCache>
             </c:numRef>
           </c:val>
           <c:extLst>
             <c:ext xmlns:c16="http://schemas.microsoft.com/office/drawing/2014/chart" uri="{C3380CC4-5D6E-409C-BE32-E72D297353CC}">
-              <c16:uniqueId val="{00000000-4A7C-FD4E-ADA6-84225980A880}"/>
+              <c16:uniqueId val="{00000000-3796-1745-B62B-6854584EB22C}"/>
             </c:ext>
           </c:extLst>
         </c:ser>
@@ -236,7 +240,7 @@
               <c:strCache>
                 <c:ptCount val="1"/>
                 <c:pt idx="0">
-                  <c:v>Series 2</c:v>
+                  <c:v>Unit B</c:v>
                 </c:pt>
               </c:strCache>
             </c:strRef>
@@ -255,69 +259,363 @@
           </c:marker>
           <c:cat>
             <c:strRef>
-              <c:f>Sheet1!$A$2:$A$11</c:f>
+              <c:f>Sheet1!$A$2:$A$9</c:f>
               <c:strCache>
-                <c:ptCount val="10"/>
+                <c:ptCount val="8"/>
                 <c:pt idx="0">
-                  <c:v>Strategy</c:v>
+                  <c:v>Variety</c:v>
                 </c:pt>
                 <c:pt idx="1">
-                  <c:v>Design</c:v>
+                  <c:v>Vocabulary</c:v>
                 </c:pt>
                 <c:pt idx="2">
-                  <c:v>Documentation</c:v>
+                  <c:v>Volume</c:v>
                 </c:pt>
                 <c:pt idx="3">
-                  <c:v>Development</c:v>
+                  <c:v>Velocity</c:v>
                 </c:pt>
                 <c:pt idx="4">
-                  <c:v>Testing</c:v>
+                  <c:v>Vulnerability</c:v>
                 </c:pt>
                 <c:pt idx="5">
-                  <c:v>Deployment</c:v>
+                  <c:v>Visibility</c:v>
                 </c:pt>
                 <c:pt idx="6">
-                  <c:v>Security</c:v>
+                  <c:v>Versioning</c:v>
                 </c:pt>
                 <c:pt idx="7">
-                  <c:v>Monitoring</c:v>
-                </c:pt>
-                <c:pt idx="8">
-                  <c:v>Discovery</c:v>
-                </c:pt>
-                <c:pt idx="9">
-                  <c:v>Change Management</c:v>
+                  <c:v>Volatility</c:v>
                 </c:pt>
               </c:strCache>
             </c:strRef>
           </c:cat>
           <c:val>
             <c:numRef>
-              <c:f>Sheet1!$C$2:$C$11</c:f>
+              <c:f>Sheet1!$C$2:$C$9</c:f>
               <c:numCache>
                 <c:formatCode>General</c:formatCode>
-                <c:ptCount val="10"/>
+                <c:ptCount val="8"/>
                 <c:pt idx="0">
-                  <c:v>12</c:v>
+                  <c:v>4</c:v>
                 </c:pt>
                 <c:pt idx="1">
-                  <c:v>12</c:v>
+                  <c:v>5</c:v>
                 </c:pt>
                 <c:pt idx="2">
-                  <c:v>12</c:v>
+                  <c:v>7</c:v>
                 </c:pt>
                 <c:pt idx="3">
-                  <c:v>21</c:v>
+                  <c:v>9</c:v>
                 </c:pt>
                 <c:pt idx="4">
-                  <c:v>28</c:v>
+                  <c:v>8</c:v>
+                </c:pt>
+                <c:pt idx="5">
+                  <c:v>5</c:v>
+                </c:pt>
+                <c:pt idx="6">
+                  <c:v>10</c:v>
+                </c:pt>
+                <c:pt idx="7">
+                  <c:v>2</c:v>
                 </c:pt>
               </c:numCache>
             </c:numRef>
           </c:val>
           <c:extLst>
             <c:ext xmlns:c16="http://schemas.microsoft.com/office/drawing/2014/chart" uri="{C3380CC4-5D6E-409C-BE32-E72D297353CC}">
-              <c16:uniqueId val="{00000001-4A7C-FD4E-ADA6-84225980A880}"/>
+              <c16:uniqueId val="{00000001-3796-1745-B62B-6854584EB22C}"/>
+            </c:ext>
+          </c:extLst>
+        </c:ser>
+        <c:ser>
+          <c:idx val="2"/>
+          <c:order val="2"/>
+          <c:tx>
+            <c:strRef>
+              <c:f>Sheet1!$D$1</c:f>
+              <c:strCache>
+                <c:ptCount val="1"/>
+                <c:pt idx="0">
+                  <c:v>Unit C</c:v>
+                </c:pt>
+              </c:strCache>
+            </c:strRef>
+          </c:tx>
+          <c:spPr>
+            <a:ln w="28575" cap="rnd">
+              <a:solidFill>
+                <a:schemeClr val="accent3"/>
+              </a:solidFill>
+              <a:round/>
+            </a:ln>
+            <a:effectLst/>
+          </c:spPr>
+          <c:marker>
+            <c:symbol val="none"/>
+          </c:marker>
+          <c:cat>
+            <c:strRef>
+              <c:f>Sheet1!$A$2:$A$9</c:f>
+              <c:strCache>
+                <c:ptCount val="8"/>
+                <c:pt idx="0">
+                  <c:v>Variety</c:v>
+                </c:pt>
+                <c:pt idx="1">
+                  <c:v>Vocabulary</c:v>
+                </c:pt>
+                <c:pt idx="2">
+                  <c:v>Volume</c:v>
+                </c:pt>
+                <c:pt idx="3">
+                  <c:v>Velocity</c:v>
+                </c:pt>
+                <c:pt idx="4">
+                  <c:v>Vulnerability</c:v>
+                </c:pt>
+                <c:pt idx="5">
+                  <c:v>Visibility</c:v>
+                </c:pt>
+                <c:pt idx="6">
+                  <c:v>Versioning</c:v>
+                </c:pt>
+                <c:pt idx="7">
+                  <c:v>Volatility</c:v>
+                </c:pt>
+              </c:strCache>
+            </c:strRef>
+          </c:cat>
+          <c:val>
+            <c:numRef>
+              <c:f>Sheet1!$D$2:$D$9</c:f>
+              <c:numCache>
+                <c:formatCode>General</c:formatCode>
+                <c:ptCount val="8"/>
+                <c:pt idx="0">
+                  <c:v>3</c:v>
+                </c:pt>
+                <c:pt idx="1">
+                  <c:v>2</c:v>
+                </c:pt>
+                <c:pt idx="2">
+                  <c:v>3</c:v>
+                </c:pt>
+                <c:pt idx="3">
+                  <c:v>4</c:v>
+                </c:pt>
+                <c:pt idx="4">
+                  <c:v>6</c:v>
+                </c:pt>
+                <c:pt idx="5">
+                  <c:v>6</c:v>
+                </c:pt>
+                <c:pt idx="6">
+                  <c:v>8</c:v>
+                </c:pt>
+                <c:pt idx="7">
+                  <c:v>2</c:v>
+                </c:pt>
+              </c:numCache>
+            </c:numRef>
+          </c:val>
+          <c:extLst>
+            <c:ext xmlns:c16="http://schemas.microsoft.com/office/drawing/2014/chart" uri="{C3380CC4-5D6E-409C-BE32-E72D297353CC}">
+              <c16:uniqueId val="{00000000-5C38-3745-8815-D53C7E4B6856}"/>
+            </c:ext>
+          </c:extLst>
+        </c:ser>
+        <c:ser>
+          <c:idx val="3"/>
+          <c:order val="3"/>
+          <c:tx>
+            <c:strRef>
+              <c:f>Sheet1!$E$1</c:f>
+              <c:strCache>
+                <c:ptCount val="1"/>
+                <c:pt idx="0">
+                  <c:v>Unit D</c:v>
+                </c:pt>
+              </c:strCache>
+            </c:strRef>
+          </c:tx>
+          <c:spPr>
+            <a:ln w="28575" cap="rnd">
+              <a:solidFill>
+                <a:schemeClr val="accent4"/>
+              </a:solidFill>
+              <a:round/>
+            </a:ln>
+            <a:effectLst/>
+          </c:spPr>
+          <c:marker>
+            <c:symbol val="none"/>
+          </c:marker>
+          <c:cat>
+            <c:strRef>
+              <c:f>Sheet1!$A$2:$A$9</c:f>
+              <c:strCache>
+                <c:ptCount val="8"/>
+                <c:pt idx="0">
+                  <c:v>Variety</c:v>
+                </c:pt>
+                <c:pt idx="1">
+                  <c:v>Vocabulary</c:v>
+                </c:pt>
+                <c:pt idx="2">
+                  <c:v>Volume</c:v>
+                </c:pt>
+                <c:pt idx="3">
+                  <c:v>Velocity</c:v>
+                </c:pt>
+                <c:pt idx="4">
+                  <c:v>Vulnerability</c:v>
+                </c:pt>
+                <c:pt idx="5">
+                  <c:v>Visibility</c:v>
+                </c:pt>
+                <c:pt idx="6">
+                  <c:v>Versioning</c:v>
+                </c:pt>
+                <c:pt idx="7">
+                  <c:v>Volatility</c:v>
+                </c:pt>
+              </c:strCache>
+            </c:strRef>
+          </c:cat>
+          <c:val>
+            <c:numRef>
+              <c:f>Sheet1!$E$2:$E$9</c:f>
+              <c:numCache>
+                <c:formatCode>General</c:formatCode>
+                <c:ptCount val="8"/>
+                <c:pt idx="0">
+                  <c:v>8</c:v>
+                </c:pt>
+                <c:pt idx="1">
+                  <c:v>3</c:v>
+                </c:pt>
+                <c:pt idx="2">
+                  <c:v>3</c:v>
+                </c:pt>
+                <c:pt idx="3">
+                  <c:v>3</c:v>
+                </c:pt>
+                <c:pt idx="4">
+                  <c:v>8</c:v>
+                </c:pt>
+                <c:pt idx="5">
+                  <c:v>2</c:v>
+                </c:pt>
+                <c:pt idx="6">
+                  <c:v>6</c:v>
+                </c:pt>
+                <c:pt idx="7">
+                  <c:v>1</c:v>
+                </c:pt>
+              </c:numCache>
+            </c:numRef>
+          </c:val>
+          <c:extLst>
+            <c:ext xmlns:c16="http://schemas.microsoft.com/office/drawing/2014/chart" uri="{C3380CC4-5D6E-409C-BE32-E72D297353CC}">
+              <c16:uniqueId val="{00000001-5C38-3745-8815-D53C7E4B6856}"/>
+            </c:ext>
+          </c:extLst>
+        </c:ser>
+        <c:ser>
+          <c:idx val="4"/>
+          <c:order val="4"/>
+          <c:tx>
+            <c:strRef>
+              <c:f>Sheet1!$F$1</c:f>
+              <c:strCache>
+                <c:ptCount val="1"/>
+                <c:pt idx="0">
+                  <c:v>Unit E</c:v>
+                </c:pt>
+              </c:strCache>
+            </c:strRef>
+          </c:tx>
+          <c:spPr>
+            <a:ln w="28575" cap="rnd">
+              <a:solidFill>
+                <a:schemeClr val="accent5"/>
+              </a:solidFill>
+              <a:round/>
+            </a:ln>
+            <a:effectLst/>
+          </c:spPr>
+          <c:marker>
+            <c:symbol val="none"/>
+          </c:marker>
+          <c:cat>
+            <c:strRef>
+              <c:f>Sheet1!$A$2:$A$9</c:f>
+              <c:strCache>
+                <c:ptCount val="8"/>
+                <c:pt idx="0">
+                  <c:v>Variety</c:v>
+                </c:pt>
+                <c:pt idx="1">
+                  <c:v>Vocabulary</c:v>
+                </c:pt>
+                <c:pt idx="2">
+                  <c:v>Volume</c:v>
+                </c:pt>
+                <c:pt idx="3">
+                  <c:v>Velocity</c:v>
+                </c:pt>
+                <c:pt idx="4">
+                  <c:v>Vulnerability</c:v>
+                </c:pt>
+                <c:pt idx="5">
+                  <c:v>Visibility</c:v>
+                </c:pt>
+                <c:pt idx="6">
+                  <c:v>Versioning</c:v>
+                </c:pt>
+                <c:pt idx="7">
+                  <c:v>Volatility</c:v>
+                </c:pt>
+              </c:strCache>
+            </c:strRef>
+          </c:cat>
+          <c:val>
+            <c:numRef>
+              <c:f>Sheet1!$F$2:$F$9</c:f>
+              <c:numCache>
+                <c:formatCode>General</c:formatCode>
+                <c:ptCount val="8"/>
+                <c:pt idx="0">
+                  <c:v>4</c:v>
+                </c:pt>
+                <c:pt idx="1">
+                  <c:v>2</c:v>
+                </c:pt>
+                <c:pt idx="2">
+                  <c:v>7</c:v>
+                </c:pt>
+                <c:pt idx="3">
+                  <c:v>2</c:v>
+                </c:pt>
+                <c:pt idx="4">
+                  <c:v>8</c:v>
+                </c:pt>
+                <c:pt idx="5">
+                  <c:v>1</c:v>
+                </c:pt>
+                <c:pt idx="6">
+                  <c:v>8</c:v>
+                </c:pt>
+                <c:pt idx="7">
+                  <c:v>2</c:v>
+                </c:pt>
+              </c:numCache>
+            </c:numRef>
+          </c:val>
+          <c:extLst>
+            <c:ext xmlns:c16="http://schemas.microsoft.com/office/drawing/2014/chart" uri="{C3380CC4-5D6E-409C-BE32-E72D297353CC}">
+              <c16:uniqueId val="{00000002-5C38-3745-8815-D53C7E4B6856}"/>
             </c:ext>
           </c:extLst>
         </c:ser>
@@ -329,11 +627,11 @@
           <c:showPercent val="0"/>
           <c:showBubbleSize val="0"/>
         </c:dLbls>
-        <c:axId val="137483872"/>
-        <c:axId val="136945792"/>
+        <c:axId val="138168768"/>
+        <c:axId val="138170448"/>
       </c:radarChart>
       <c:catAx>
-        <c:axId val="137483872"/>
+        <c:axId val="138168768"/>
         <c:scaling>
           <c:orientation val="minMax"/>
         </c:scaling>
@@ -376,7 +674,7 @@
             <a:endParaRPr lang="en-US"/>
           </a:p>
         </c:txPr>
-        <c:crossAx val="136945792"/>
+        <c:crossAx val="138170448"/>
         <c:crosses val="autoZero"/>
         <c:auto val="1"/>
         <c:lblAlgn val="ctr"/>
@@ -384,7 +682,7 @@
         <c:noMultiLvlLbl val="0"/>
       </c:catAx>
       <c:valAx>
-        <c:axId val="136945792"/>
+        <c:axId val="138170448"/>
         <c:scaling>
           <c:orientation val="minMax"/>
         </c:scaling>
@@ -394,9 +692,8 @@
           <c:spPr>
             <a:ln w="9525" cap="flat" cmpd="sng" algn="ctr">
               <a:solidFill>
-                <a:schemeClr val="tx1">
-                  <a:lumMod val="15000"/>
-                  <a:lumOff val="85000"/>
+                <a:schemeClr val="bg1">
+                  <a:lumMod val="95000"/>
                 </a:schemeClr>
               </a:solidFill>
               <a:round/>
@@ -435,7 +732,7 @@
             <a:endParaRPr lang="en-US"/>
           </a:p>
         </c:txPr>
-        <c:crossAx val="137483872"/>
+        <c:crossAx val="138168768"/>
         <c:crosses val="autoZero"/>
         <c:crossBetween val="between"/>
       </c:valAx>
@@ -541,7 +838,7 @@
               <c:strCache>
                 <c:ptCount val="1"/>
                 <c:pt idx="0">
-                  <c:v>Unit A</c:v>
+                  <c:v>Create</c:v>
                 </c:pt>
               </c:strCache>
             </c:strRef>
@@ -553,79 +850,95 @@
               </a:solidFill>
               <a:round/>
             </a:ln>
-            <a:effectLst/>
+            <a:effectLst>
+              <a:outerShdw blurRad="50800" dist="50800" dir="5400000" algn="ctr" rotWithShape="0">
+                <a:schemeClr val="bg1"/>
+              </a:outerShdw>
+            </a:effectLst>
           </c:spPr>
           <c:marker>
             <c:symbol val="none"/>
           </c:marker>
           <c:cat>
             <c:strRef>
-              <c:f>Sheet1!$A$2:$A$9</c:f>
+              <c:f>Sheet1!$A$2:$A$11</c:f>
               <c:strCache>
-                <c:ptCount val="8"/>
+                <c:ptCount val="10"/>
                 <c:pt idx="0">
-                  <c:v>Variety</c:v>
+                  <c:v>Strategy</c:v>
                 </c:pt>
                 <c:pt idx="1">
-                  <c:v>Vocabulary</c:v>
+                  <c:v>Design</c:v>
                 </c:pt>
                 <c:pt idx="2">
-                  <c:v>Volume</c:v>
+                  <c:v>Documentation</c:v>
                 </c:pt>
                 <c:pt idx="3">
-                  <c:v>Velocity</c:v>
+                  <c:v>Development</c:v>
                 </c:pt>
                 <c:pt idx="4">
-                  <c:v>Vulnerability</c:v>
+                  <c:v>Testing</c:v>
                 </c:pt>
                 <c:pt idx="5">
-                  <c:v>Visibility</c:v>
+                  <c:v>Deployment</c:v>
                 </c:pt>
                 <c:pt idx="6">
-                  <c:v>Versioning</c:v>
+                  <c:v>Security</c:v>
                 </c:pt>
                 <c:pt idx="7">
-                  <c:v>Volatility</c:v>
+                  <c:v>Monitoring</c:v>
+                </c:pt>
+                <c:pt idx="8">
+                  <c:v>Discovery</c:v>
+                </c:pt>
+                <c:pt idx="9">
+                  <c:v>Change Management</c:v>
                 </c:pt>
               </c:strCache>
             </c:strRef>
           </c:cat>
           <c:val>
             <c:numRef>
-              <c:f>Sheet1!$B$2:$B$9</c:f>
+              <c:f>Sheet1!$B$2:$B$11</c:f>
               <c:numCache>
                 <c:formatCode>General</c:formatCode>
-                <c:ptCount val="8"/>
+                <c:ptCount val="10"/>
                 <c:pt idx="0">
-                  <c:v>1</c:v>
+                  <c:v>5</c:v>
                 </c:pt>
                 <c:pt idx="1">
-                  <c:v>1</c:v>
+                  <c:v>3</c:v>
                 </c:pt>
                 <c:pt idx="2">
                   <c:v>1</c:v>
                 </c:pt>
                 <c:pt idx="3">
+                  <c:v>3</c:v>
+                </c:pt>
+                <c:pt idx="4">
+                  <c:v>2</c:v>
+                </c:pt>
+                <c:pt idx="5">
+                  <c:v>2</c:v>
+                </c:pt>
+                <c:pt idx="6">
                   <c:v>1</c:v>
-                </c:pt>
-                <c:pt idx="4">
-                  <c:v>5</c:v>
-                </c:pt>
-                <c:pt idx="5">
-                  <c:v>4</c:v>
-                </c:pt>
-                <c:pt idx="6">
-                  <c:v>7</c:v>
                 </c:pt>
                 <c:pt idx="7">
                   <c:v>1</c:v>
+                </c:pt>
+                <c:pt idx="8">
+                  <c:v>1</c:v>
+                </c:pt>
+                <c:pt idx="9">
+                  <c:v>3</c:v>
                 </c:pt>
               </c:numCache>
             </c:numRef>
           </c:val>
           <c:extLst>
             <c:ext xmlns:c16="http://schemas.microsoft.com/office/drawing/2014/chart" uri="{C3380CC4-5D6E-409C-BE32-E72D297353CC}">
-              <c16:uniqueId val="{00000000-3796-1745-B62B-6854584EB22C}"/>
+              <c16:uniqueId val="{00000000-4A7C-FD4E-ADA6-84225980A880}"/>
             </c:ext>
           </c:extLst>
         </c:ser>
@@ -638,7 +951,7 @@
               <c:strCache>
                 <c:ptCount val="1"/>
                 <c:pt idx="0">
-                  <c:v>Unit B</c:v>
+                  <c:v>Publish</c:v>
                 </c:pt>
               </c:strCache>
             </c:strRef>
@@ -657,72 +970,84 @@
           </c:marker>
           <c:cat>
             <c:strRef>
-              <c:f>Sheet1!$A$2:$A$9</c:f>
+              <c:f>Sheet1!$A$2:$A$11</c:f>
               <c:strCache>
-                <c:ptCount val="8"/>
+                <c:ptCount val="10"/>
                 <c:pt idx="0">
-                  <c:v>Variety</c:v>
+                  <c:v>Strategy</c:v>
                 </c:pt>
                 <c:pt idx="1">
-                  <c:v>Vocabulary</c:v>
+                  <c:v>Design</c:v>
                 </c:pt>
                 <c:pt idx="2">
-                  <c:v>Volume</c:v>
+                  <c:v>Documentation</c:v>
                 </c:pt>
                 <c:pt idx="3">
-                  <c:v>Velocity</c:v>
+                  <c:v>Development</c:v>
                 </c:pt>
                 <c:pt idx="4">
-                  <c:v>Vulnerability</c:v>
+                  <c:v>Testing</c:v>
                 </c:pt>
                 <c:pt idx="5">
-                  <c:v>Visibility</c:v>
+                  <c:v>Deployment</c:v>
                 </c:pt>
                 <c:pt idx="6">
-                  <c:v>Versioning</c:v>
+                  <c:v>Security</c:v>
                 </c:pt>
                 <c:pt idx="7">
-                  <c:v>Volatility</c:v>
+                  <c:v>Monitoring</c:v>
+                </c:pt>
+                <c:pt idx="8">
+                  <c:v>Discovery</c:v>
+                </c:pt>
+                <c:pt idx="9">
+                  <c:v>Change Management</c:v>
                 </c:pt>
               </c:strCache>
             </c:strRef>
           </c:cat>
           <c:val>
             <c:numRef>
-              <c:f>Sheet1!$C$2:$C$9</c:f>
+              <c:f>Sheet1!$C$2:$C$11</c:f>
               <c:numCache>
                 <c:formatCode>General</c:formatCode>
-                <c:ptCount val="8"/>
+                <c:ptCount val="10"/>
                 <c:pt idx="0">
+                  <c:v>6</c:v>
+                </c:pt>
+                <c:pt idx="1">
+                  <c:v>3</c:v>
+                </c:pt>
+                <c:pt idx="2">
+                  <c:v>3</c:v>
+                </c:pt>
+                <c:pt idx="3">
                   <c:v>4</c:v>
                 </c:pt>
-                <c:pt idx="1">
-                  <c:v>5</c:v>
-                </c:pt>
-                <c:pt idx="2">
-                  <c:v>7</c:v>
-                </c:pt>
-                <c:pt idx="3">
-                  <c:v>9</c:v>
-                </c:pt>
                 <c:pt idx="4">
-                  <c:v>8</c:v>
+                  <c:v>4</c:v>
                 </c:pt>
                 <c:pt idx="5">
-                  <c:v>5</c:v>
+                  <c:v>3</c:v>
                 </c:pt>
                 <c:pt idx="6">
-                  <c:v>10</c:v>
+                  <c:v>4</c:v>
                 </c:pt>
                 <c:pt idx="7">
-                  <c:v>2</c:v>
+                  <c:v>3</c:v>
+                </c:pt>
+                <c:pt idx="8">
+                  <c:v>3</c:v>
+                </c:pt>
+                <c:pt idx="9">
+                  <c:v>4</c:v>
                 </c:pt>
               </c:numCache>
             </c:numRef>
           </c:val>
           <c:extLst>
             <c:ext xmlns:c16="http://schemas.microsoft.com/office/drawing/2014/chart" uri="{C3380CC4-5D6E-409C-BE32-E72D297353CC}">
-              <c16:uniqueId val="{00000001-3796-1745-B62B-6854584EB22C}"/>
+              <c16:uniqueId val="{00000001-4A7C-FD4E-ADA6-84225980A880}"/>
             </c:ext>
           </c:extLst>
         </c:ser>
@@ -735,7 +1060,7 @@
               <c:strCache>
                 <c:ptCount val="1"/>
                 <c:pt idx="0">
-                  <c:v>Unit C</c:v>
+                  <c:v>Realize</c:v>
                 </c:pt>
               </c:strCache>
             </c:strRef>
@@ -754,56 +1079,62 @@
           </c:marker>
           <c:cat>
             <c:strRef>
-              <c:f>Sheet1!$A$2:$A$9</c:f>
+              <c:f>Sheet1!$A$2:$A$11</c:f>
               <c:strCache>
-                <c:ptCount val="8"/>
+                <c:ptCount val="10"/>
                 <c:pt idx="0">
-                  <c:v>Variety</c:v>
+                  <c:v>Strategy</c:v>
                 </c:pt>
                 <c:pt idx="1">
-                  <c:v>Vocabulary</c:v>
+                  <c:v>Design</c:v>
                 </c:pt>
                 <c:pt idx="2">
-                  <c:v>Volume</c:v>
+                  <c:v>Documentation</c:v>
                 </c:pt>
                 <c:pt idx="3">
-                  <c:v>Velocity</c:v>
+                  <c:v>Development</c:v>
                 </c:pt>
                 <c:pt idx="4">
-                  <c:v>Vulnerability</c:v>
+                  <c:v>Testing</c:v>
                 </c:pt>
                 <c:pt idx="5">
-                  <c:v>Visibility</c:v>
+                  <c:v>Deployment</c:v>
                 </c:pt>
                 <c:pt idx="6">
-                  <c:v>Versioning</c:v>
+                  <c:v>Security</c:v>
                 </c:pt>
                 <c:pt idx="7">
-                  <c:v>Volatility</c:v>
+                  <c:v>Monitoring</c:v>
+                </c:pt>
+                <c:pt idx="8">
+                  <c:v>Discovery</c:v>
+                </c:pt>
+                <c:pt idx="9">
+                  <c:v>Change Management</c:v>
                 </c:pt>
               </c:strCache>
             </c:strRef>
           </c:cat>
           <c:val>
             <c:numRef>
-              <c:f>Sheet1!$D$2:$D$9</c:f>
+              <c:f>Sheet1!$D$2:$D$11</c:f>
               <c:numCache>
                 <c:formatCode>General</c:formatCode>
-                <c:ptCount val="8"/>
+                <c:ptCount val="10"/>
                 <c:pt idx="0">
-                  <c:v>3</c:v>
+                  <c:v>7</c:v>
                 </c:pt>
                 <c:pt idx="1">
-                  <c:v>2</c:v>
+                  <c:v>5</c:v>
                 </c:pt>
                 <c:pt idx="2">
-                  <c:v>3</c:v>
+                  <c:v>7</c:v>
                 </c:pt>
                 <c:pt idx="3">
-                  <c:v>4</c:v>
+                  <c:v>6</c:v>
                 </c:pt>
                 <c:pt idx="4">
-                  <c:v>6</c:v>
+                  <c:v>7</c:v>
                 </c:pt>
                 <c:pt idx="5">
                   <c:v>6</c:v>
@@ -812,14 +1143,20 @@
                   <c:v>8</c:v>
                 </c:pt>
                 <c:pt idx="7">
-                  <c:v>2</c:v>
+                  <c:v>6</c:v>
+                </c:pt>
+                <c:pt idx="8">
+                  <c:v>7</c:v>
+                </c:pt>
+                <c:pt idx="9">
+                  <c:v>7</c:v>
                 </c:pt>
               </c:numCache>
             </c:numRef>
           </c:val>
           <c:extLst>
             <c:ext xmlns:c16="http://schemas.microsoft.com/office/drawing/2014/chart" uri="{C3380CC4-5D6E-409C-BE32-E72D297353CC}">
-              <c16:uniqueId val="{00000000-5C38-3745-8815-D53C7E4B6856}"/>
+              <c16:uniqueId val="{00000000-2120-5648-A12F-E569F5BBC4E5}"/>
             </c:ext>
           </c:extLst>
         </c:ser>
@@ -832,7 +1169,7 @@
               <c:strCache>
                 <c:ptCount val="1"/>
                 <c:pt idx="0">
-                  <c:v>Unit D</c:v>
+                  <c:v>Maintain</c:v>
                 </c:pt>
               </c:strCache>
             </c:strRef>
@@ -851,72 +1188,84 @@
           </c:marker>
           <c:cat>
             <c:strRef>
-              <c:f>Sheet1!$A$2:$A$9</c:f>
+              <c:f>Sheet1!$A$2:$A$11</c:f>
               <c:strCache>
-                <c:ptCount val="8"/>
+                <c:ptCount val="10"/>
                 <c:pt idx="0">
-                  <c:v>Variety</c:v>
+                  <c:v>Strategy</c:v>
                 </c:pt>
                 <c:pt idx="1">
-                  <c:v>Vocabulary</c:v>
+                  <c:v>Design</c:v>
                 </c:pt>
                 <c:pt idx="2">
-                  <c:v>Volume</c:v>
+                  <c:v>Documentation</c:v>
                 </c:pt>
                 <c:pt idx="3">
-                  <c:v>Velocity</c:v>
+                  <c:v>Development</c:v>
                 </c:pt>
                 <c:pt idx="4">
-                  <c:v>Vulnerability</c:v>
+                  <c:v>Testing</c:v>
                 </c:pt>
                 <c:pt idx="5">
-                  <c:v>Visibility</c:v>
+                  <c:v>Deployment</c:v>
                 </c:pt>
                 <c:pt idx="6">
-                  <c:v>Versioning</c:v>
+                  <c:v>Security</c:v>
                 </c:pt>
                 <c:pt idx="7">
-                  <c:v>Volatility</c:v>
+                  <c:v>Monitoring</c:v>
+                </c:pt>
+                <c:pt idx="8">
+                  <c:v>Discovery</c:v>
+                </c:pt>
+                <c:pt idx="9">
+                  <c:v>Change Management</c:v>
                 </c:pt>
               </c:strCache>
             </c:strRef>
           </c:cat>
           <c:val>
             <c:numRef>
-              <c:f>Sheet1!$E$2:$E$9</c:f>
+              <c:f>Sheet1!$E$2:$E$11</c:f>
               <c:numCache>
                 <c:formatCode>General</c:formatCode>
-                <c:ptCount val="8"/>
+                <c:ptCount val="10"/>
                 <c:pt idx="0">
                   <c:v>8</c:v>
                 </c:pt>
                 <c:pt idx="1">
-                  <c:v>3</c:v>
+                  <c:v>6</c:v>
                 </c:pt>
                 <c:pt idx="2">
-                  <c:v>3</c:v>
+                  <c:v>8</c:v>
                 </c:pt>
                 <c:pt idx="3">
-                  <c:v>3</c:v>
+                  <c:v>7</c:v>
                 </c:pt>
                 <c:pt idx="4">
                   <c:v>8</c:v>
                 </c:pt>
                 <c:pt idx="5">
-                  <c:v>2</c:v>
+                  <c:v>7</c:v>
                 </c:pt>
                 <c:pt idx="6">
-                  <c:v>6</c:v>
+                  <c:v>9</c:v>
                 </c:pt>
                 <c:pt idx="7">
-                  <c:v>1</c:v>
+                  <c:v>7</c:v>
+                </c:pt>
+                <c:pt idx="8">
+                  <c:v>8</c:v>
+                </c:pt>
+                <c:pt idx="9">
+                  <c:v>8</c:v>
                 </c:pt>
               </c:numCache>
             </c:numRef>
           </c:val>
           <c:extLst>
             <c:ext xmlns:c16="http://schemas.microsoft.com/office/drawing/2014/chart" uri="{C3380CC4-5D6E-409C-BE32-E72D297353CC}">
-              <c16:uniqueId val="{00000001-5C38-3745-8815-D53C7E4B6856}"/>
+              <c16:uniqueId val="{00000000-9091-824B-ABEA-C7D5A133B3C4}"/>
             </c:ext>
           </c:extLst>
         </c:ser>
@@ -929,7 +1278,7 @@
               <c:strCache>
                 <c:ptCount val="1"/>
                 <c:pt idx="0">
-                  <c:v>Unit E</c:v>
+                  <c:v>Retire</c:v>
                 </c:pt>
               </c:strCache>
             </c:strRef>
@@ -948,72 +1297,84 @@
           </c:marker>
           <c:cat>
             <c:strRef>
-              <c:f>Sheet1!$A$2:$A$9</c:f>
+              <c:f>Sheet1!$A$2:$A$11</c:f>
               <c:strCache>
-                <c:ptCount val="8"/>
+                <c:ptCount val="10"/>
                 <c:pt idx="0">
-                  <c:v>Variety</c:v>
+                  <c:v>Strategy</c:v>
                 </c:pt>
                 <c:pt idx="1">
-                  <c:v>Vocabulary</c:v>
+                  <c:v>Design</c:v>
                 </c:pt>
                 <c:pt idx="2">
-                  <c:v>Volume</c:v>
+                  <c:v>Documentation</c:v>
                 </c:pt>
                 <c:pt idx="3">
-                  <c:v>Velocity</c:v>
+                  <c:v>Development</c:v>
                 </c:pt>
                 <c:pt idx="4">
-                  <c:v>Vulnerability</c:v>
+                  <c:v>Testing</c:v>
                 </c:pt>
                 <c:pt idx="5">
-                  <c:v>Visibility</c:v>
+                  <c:v>Deployment</c:v>
                 </c:pt>
                 <c:pt idx="6">
-                  <c:v>Versioning</c:v>
+                  <c:v>Security</c:v>
                 </c:pt>
                 <c:pt idx="7">
-                  <c:v>Volatility</c:v>
+                  <c:v>Monitoring</c:v>
+                </c:pt>
+                <c:pt idx="8">
+                  <c:v>Discovery</c:v>
+                </c:pt>
+                <c:pt idx="9">
+                  <c:v>Change Management</c:v>
                 </c:pt>
               </c:strCache>
             </c:strRef>
           </c:cat>
           <c:val>
             <c:numRef>
-              <c:f>Sheet1!$F$2:$F$9</c:f>
+              <c:f>Sheet1!$F$2:$F$11</c:f>
               <c:numCache>
                 <c:formatCode>General</c:formatCode>
-                <c:ptCount val="8"/>
+                <c:ptCount val="10"/>
                 <c:pt idx="0">
-                  <c:v>4</c:v>
+                  <c:v>8</c:v>
                 </c:pt>
                 <c:pt idx="1">
-                  <c:v>2</c:v>
+                  <c:v>6</c:v>
                 </c:pt>
                 <c:pt idx="2">
+                  <c:v>9</c:v>
+                </c:pt>
+                <c:pt idx="3">
                   <c:v>7</c:v>
-                </c:pt>
-                <c:pt idx="3">
-                  <c:v>2</c:v>
                 </c:pt>
                 <c:pt idx="4">
                   <c:v>8</c:v>
                 </c:pt>
                 <c:pt idx="5">
-                  <c:v>1</c:v>
+                  <c:v>7</c:v>
                 </c:pt>
                 <c:pt idx="6">
+                  <c:v>9</c:v>
+                </c:pt>
+                <c:pt idx="7">
                   <c:v>8</c:v>
                 </c:pt>
-                <c:pt idx="7">
-                  <c:v>2</c:v>
+                <c:pt idx="8">
+                  <c:v>9</c:v>
+                </c:pt>
+                <c:pt idx="9">
+                  <c:v>9</c:v>
                 </c:pt>
               </c:numCache>
             </c:numRef>
           </c:val>
           <c:extLst>
             <c:ext xmlns:c16="http://schemas.microsoft.com/office/drawing/2014/chart" uri="{C3380CC4-5D6E-409C-BE32-E72D297353CC}">
-              <c16:uniqueId val="{00000002-5C38-3745-8815-D53C7E4B6856}"/>
+              <c16:uniqueId val="{00000001-9091-824B-ABEA-C7D5A133B3C4}"/>
             </c:ext>
           </c:extLst>
         </c:ser>
@@ -1025,11 +1386,11 @@
           <c:showPercent val="0"/>
           <c:showBubbleSize val="0"/>
         </c:dLbls>
-        <c:axId val="138168768"/>
-        <c:axId val="138170448"/>
+        <c:axId val="137483872"/>
+        <c:axId val="136945792"/>
       </c:radarChart>
       <c:catAx>
-        <c:axId val="138168768"/>
+        <c:axId val="137483872"/>
         <c:scaling>
           <c:orientation val="minMax"/>
         </c:scaling>
@@ -1072,7 +1433,7 @@
             <a:endParaRPr lang="en-US"/>
           </a:p>
         </c:txPr>
-        <c:crossAx val="138170448"/>
+        <c:crossAx val="136945792"/>
         <c:crosses val="autoZero"/>
         <c:auto val="1"/>
         <c:lblAlgn val="ctr"/>
@@ -1080,7 +1441,7 @@
         <c:noMultiLvlLbl val="0"/>
       </c:catAx>
       <c:valAx>
-        <c:axId val="138170448"/>
+        <c:axId val="136945792"/>
         <c:scaling>
           <c:orientation val="minMax"/>
         </c:scaling>
@@ -1090,9 +1451,8 @@
           <c:spPr>
             <a:ln w="9525" cap="flat" cmpd="sng" algn="ctr">
               <a:solidFill>
-                <a:schemeClr val="tx1">
-                  <a:lumMod val="15000"/>
-                  <a:lumOff val="85000"/>
+                <a:schemeClr val="bg1">
+                  <a:lumMod val="95000"/>
                 </a:schemeClr>
               </a:solidFill>
               <a:round/>
@@ -1131,7 +1491,499 @@
             <a:endParaRPr lang="en-US"/>
           </a:p>
         </c:txPr>
-        <c:crossAx val="138168768"/>
+        <c:crossAx val="137483872"/>
+        <c:crosses val="autoZero"/>
+        <c:crossBetween val="between"/>
+      </c:valAx>
+      <c:spPr>
+        <a:noFill/>
+        <a:ln>
+          <a:noFill/>
+        </a:ln>
+        <a:effectLst/>
+      </c:spPr>
+    </c:plotArea>
+    <c:legend>
+      <c:legendPos val="t"/>
+      <c:overlay val="0"/>
+      <c:spPr>
+        <a:noFill/>
+        <a:ln>
+          <a:noFill/>
+        </a:ln>
+        <a:effectLst/>
+      </c:spPr>
+      <c:txPr>
+        <a:bodyPr rot="0" spcFirstLastPara="1" vertOverflow="ellipsis" vert="horz" wrap="square" anchor="ctr" anchorCtr="1"/>
+        <a:lstStyle/>
+        <a:p>
+          <a:pPr>
+            <a:defRPr sz="1197" b="0" i="0" u="none" strike="noStrike" kern="1200" baseline="0">
+              <a:solidFill>
+                <a:schemeClr val="tx1">
+                  <a:lumMod val="65000"/>
+                  <a:lumOff val="35000"/>
+                </a:schemeClr>
+              </a:solidFill>
+              <a:latin typeface="+mn-lt"/>
+              <a:ea typeface="+mn-ea"/>
+              <a:cs typeface="+mn-cs"/>
+            </a:defRPr>
+          </a:pPr>
+          <a:endParaRPr lang="en-US"/>
+        </a:p>
+      </c:txPr>
+    </c:legend>
+    <c:plotVisOnly val="1"/>
+    <c:dispBlanksAs val="gap"/>
+    <c:extLst>
+      <c:ext xmlns:c16r3="http://schemas.microsoft.com/office/drawing/2017/03/chart" uri="{56B9EC1D-385E-4148-901F-78D8002777C0}">
+        <c16r3:dataDisplayOptions16>
+          <c16r3:dispNaAsBlank val="1"/>
+        </c16r3:dataDisplayOptions16>
+      </c:ext>
+    </c:extLst>
+    <c:showDLblsOverMax val="0"/>
+  </c:chart>
+  <c:spPr>
+    <a:noFill/>
+    <a:ln>
+      <a:noFill/>
+    </a:ln>
+    <a:effectLst/>
+  </c:spPr>
+  <c:txPr>
+    <a:bodyPr/>
+    <a:lstStyle/>
+    <a:p>
+      <a:pPr>
+        <a:defRPr/>
+      </a:pPr>
+      <a:endParaRPr lang="en-US"/>
+    </a:p>
+  </c:txPr>
+  <c:externalData r:id="rId3">
+    <c:autoUpdate val="0"/>
+  </c:externalData>
+</c:chartSpace>
+</file>
+
+<file path=ppt/charts/chart3.xml><?xml version="1.0" encoding="utf-8"?>
+<c:chartSpace xmlns:c="http://schemas.openxmlformats.org/drawingml/2006/chart" xmlns:a="http://schemas.openxmlformats.org/drawingml/2006/main" xmlns:r="http://schemas.openxmlformats.org/officeDocument/2006/relationships" xmlns:c16r2="http://schemas.microsoft.com/office/drawing/2015/06/chart">
+  <c:date1904 val="0"/>
+  <c:lang val="en-US"/>
+  <c:roundedCorners val="0"/>
+  <mc:AlternateContent xmlns:mc="http://schemas.openxmlformats.org/markup-compatibility/2006">
+    <mc:Choice xmlns:c14="http://schemas.microsoft.com/office/drawing/2007/8/2/chart" Requires="c14">
+      <c14:style val="102"/>
+    </mc:Choice>
+    <mc:Fallback>
+      <c:style val="2"/>
+    </mc:Fallback>
+  </mc:AlternateContent>
+  <c:chart>
+    <c:autoTitleDeleted val="1"/>
+    <c:plotArea>
+      <c:layout/>
+      <c:radarChart>
+        <c:radarStyle val="marker"/>
+        <c:varyColors val="0"/>
+        <c:ser>
+          <c:idx val="0"/>
+          <c:order val="0"/>
+          <c:tx>
+            <c:strRef>
+              <c:f>Sheet1!$B$1</c:f>
+              <c:strCache>
+                <c:ptCount val="1"/>
+                <c:pt idx="0">
+                  <c:v>API 1</c:v>
+                </c:pt>
+              </c:strCache>
+            </c:strRef>
+          </c:tx>
+          <c:spPr>
+            <a:ln w="28575" cap="rnd">
+              <a:solidFill>
+                <a:schemeClr val="accent1"/>
+              </a:solidFill>
+              <a:round/>
+            </a:ln>
+            <a:effectLst/>
+          </c:spPr>
+          <c:marker>
+            <c:symbol val="none"/>
+          </c:marker>
+          <c:cat>
+            <c:strRef>
+              <c:f>Sheet1!$A$2:$A$11</c:f>
+              <c:strCache>
+                <c:ptCount val="10"/>
+                <c:pt idx="0">
+                  <c:v>Strategy</c:v>
+                </c:pt>
+                <c:pt idx="1">
+                  <c:v>Design</c:v>
+                </c:pt>
+                <c:pt idx="2">
+                  <c:v>Documentation</c:v>
+                </c:pt>
+                <c:pt idx="3">
+                  <c:v>Development</c:v>
+                </c:pt>
+                <c:pt idx="4">
+                  <c:v>Testing</c:v>
+                </c:pt>
+                <c:pt idx="5">
+                  <c:v>Deployment</c:v>
+                </c:pt>
+                <c:pt idx="6">
+                  <c:v>Security</c:v>
+                </c:pt>
+                <c:pt idx="7">
+                  <c:v>Monitoring</c:v>
+                </c:pt>
+                <c:pt idx="8">
+                  <c:v>Discovery</c:v>
+                </c:pt>
+                <c:pt idx="9">
+                  <c:v>Change Management</c:v>
+                </c:pt>
+              </c:strCache>
+            </c:strRef>
+          </c:cat>
+          <c:val>
+            <c:numRef>
+              <c:f>Sheet1!$B$2:$B$11</c:f>
+              <c:numCache>
+                <c:formatCode>General</c:formatCode>
+                <c:ptCount val="10"/>
+                <c:pt idx="0">
+                  <c:v>32</c:v>
+                </c:pt>
+                <c:pt idx="1">
+                  <c:v>32</c:v>
+                </c:pt>
+                <c:pt idx="2">
+                  <c:v>28</c:v>
+                </c:pt>
+                <c:pt idx="3">
+                  <c:v>12</c:v>
+                </c:pt>
+                <c:pt idx="4">
+                  <c:v>15</c:v>
+                </c:pt>
+              </c:numCache>
+            </c:numRef>
+          </c:val>
+          <c:extLst>
+            <c:ext xmlns:c16="http://schemas.microsoft.com/office/drawing/2014/chart" uri="{C3380CC4-5D6E-409C-BE32-E72D297353CC}">
+              <c16:uniqueId val="{00000000-4A7C-FD4E-ADA6-84225980A880}"/>
+            </c:ext>
+          </c:extLst>
+        </c:ser>
+        <c:ser>
+          <c:idx val="1"/>
+          <c:order val="1"/>
+          <c:tx>
+            <c:strRef>
+              <c:f>Sheet1!$C$1</c:f>
+              <c:strCache>
+                <c:ptCount val="1"/>
+                <c:pt idx="0">
+                  <c:v>API 2</c:v>
+                </c:pt>
+              </c:strCache>
+            </c:strRef>
+          </c:tx>
+          <c:spPr>
+            <a:ln w="28575" cap="rnd">
+              <a:solidFill>
+                <a:schemeClr val="accent2"/>
+              </a:solidFill>
+              <a:round/>
+            </a:ln>
+            <a:effectLst/>
+          </c:spPr>
+          <c:marker>
+            <c:symbol val="none"/>
+          </c:marker>
+          <c:cat>
+            <c:strRef>
+              <c:f>Sheet1!$A$2:$A$11</c:f>
+              <c:strCache>
+                <c:ptCount val="10"/>
+                <c:pt idx="0">
+                  <c:v>Strategy</c:v>
+                </c:pt>
+                <c:pt idx="1">
+                  <c:v>Design</c:v>
+                </c:pt>
+                <c:pt idx="2">
+                  <c:v>Documentation</c:v>
+                </c:pt>
+                <c:pt idx="3">
+                  <c:v>Development</c:v>
+                </c:pt>
+                <c:pt idx="4">
+                  <c:v>Testing</c:v>
+                </c:pt>
+                <c:pt idx="5">
+                  <c:v>Deployment</c:v>
+                </c:pt>
+                <c:pt idx="6">
+                  <c:v>Security</c:v>
+                </c:pt>
+                <c:pt idx="7">
+                  <c:v>Monitoring</c:v>
+                </c:pt>
+                <c:pt idx="8">
+                  <c:v>Discovery</c:v>
+                </c:pt>
+                <c:pt idx="9">
+                  <c:v>Change Management</c:v>
+                </c:pt>
+              </c:strCache>
+            </c:strRef>
+          </c:cat>
+          <c:val>
+            <c:numRef>
+              <c:f>Sheet1!$C$2:$C$11</c:f>
+              <c:numCache>
+                <c:formatCode>General</c:formatCode>
+                <c:ptCount val="10"/>
+                <c:pt idx="0">
+                  <c:v>12</c:v>
+                </c:pt>
+                <c:pt idx="1">
+                  <c:v>12</c:v>
+                </c:pt>
+                <c:pt idx="2">
+                  <c:v>12</c:v>
+                </c:pt>
+                <c:pt idx="3">
+                  <c:v>21</c:v>
+                </c:pt>
+                <c:pt idx="4">
+                  <c:v>28</c:v>
+                </c:pt>
+              </c:numCache>
+            </c:numRef>
+          </c:val>
+          <c:extLst>
+            <c:ext xmlns:c16="http://schemas.microsoft.com/office/drawing/2014/chart" uri="{C3380CC4-5D6E-409C-BE32-E72D297353CC}">
+              <c16:uniqueId val="{00000001-4A7C-FD4E-ADA6-84225980A880}"/>
+            </c:ext>
+          </c:extLst>
+        </c:ser>
+        <c:ser>
+          <c:idx val="2"/>
+          <c:order val="2"/>
+          <c:tx>
+            <c:strRef>
+              <c:f>Sheet1!$D$1</c:f>
+              <c:strCache>
+                <c:ptCount val="1"/>
+                <c:pt idx="0">
+                  <c:v>API 3</c:v>
+                </c:pt>
+              </c:strCache>
+            </c:strRef>
+          </c:tx>
+          <c:spPr>
+            <a:ln w="28575" cap="rnd">
+              <a:solidFill>
+                <a:schemeClr val="accent3"/>
+              </a:solidFill>
+              <a:round/>
+            </a:ln>
+            <a:effectLst/>
+          </c:spPr>
+          <c:marker>
+            <c:symbol val="none"/>
+          </c:marker>
+          <c:cat>
+            <c:strRef>
+              <c:f>Sheet1!$A$2:$A$11</c:f>
+              <c:strCache>
+                <c:ptCount val="10"/>
+                <c:pt idx="0">
+                  <c:v>Strategy</c:v>
+                </c:pt>
+                <c:pt idx="1">
+                  <c:v>Design</c:v>
+                </c:pt>
+                <c:pt idx="2">
+                  <c:v>Documentation</c:v>
+                </c:pt>
+                <c:pt idx="3">
+                  <c:v>Development</c:v>
+                </c:pt>
+                <c:pt idx="4">
+                  <c:v>Testing</c:v>
+                </c:pt>
+                <c:pt idx="5">
+                  <c:v>Deployment</c:v>
+                </c:pt>
+                <c:pt idx="6">
+                  <c:v>Security</c:v>
+                </c:pt>
+                <c:pt idx="7">
+                  <c:v>Monitoring</c:v>
+                </c:pt>
+                <c:pt idx="8">
+                  <c:v>Discovery</c:v>
+                </c:pt>
+                <c:pt idx="9">
+                  <c:v>Change Management</c:v>
+                </c:pt>
+              </c:strCache>
+            </c:strRef>
+          </c:cat>
+          <c:val>
+            <c:numRef>
+              <c:f>Sheet1!$D$2:$D$11</c:f>
+              <c:numCache>
+                <c:formatCode>General</c:formatCode>
+                <c:ptCount val="10"/>
+                <c:pt idx="0">
+                  <c:v>12</c:v>
+                </c:pt>
+                <c:pt idx="1">
+                  <c:v>12</c:v>
+                </c:pt>
+                <c:pt idx="2">
+                  <c:v>12</c:v>
+                </c:pt>
+                <c:pt idx="3">
+                  <c:v>21</c:v>
+                </c:pt>
+                <c:pt idx="4">
+                  <c:v>28</c:v>
+                </c:pt>
+              </c:numCache>
+            </c:numRef>
+          </c:val>
+          <c:extLst>
+            <c:ext xmlns:c16="http://schemas.microsoft.com/office/drawing/2014/chart" uri="{C3380CC4-5D6E-409C-BE32-E72D297353CC}">
+              <c16:uniqueId val="{00000000-2120-5648-A12F-E569F5BBC4E5}"/>
+            </c:ext>
+          </c:extLst>
+        </c:ser>
+        <c:dLbls>
+          <c:showLegendKey val="0"/>
+          <c:showVal val="0"/>
+          <c:showCatName val="0"/>
+          <c:showSerName val="0"/>
+          <c:showPercent val="0"/>
+          <c:showBubbleSize val="0"/>
+        </c:dLbls>
+        <c:axId val="137483872"/>
+        <c:axId val="136945792"/>
+      </c:radarChart>
+      <c:catAx>
+        <c:axId val="137483872"/>
+        <c:scaling>
+          <c:orientation val="minMax"/>
+        </c:scaling>
+        <c:delete val="0"/>
+        <c:axPos val="b"/>
+        <c:numFmt formatCode="General" sourceLinked="1"/>
+        <c:majorTickMark val="none"/>
+        <c:minorTickMark val="none"/>
+        <c:tickLblPos val="nextTo"/>
+        <c:spPr>
+          <a:noFill/>
+          <a:ln w="9525" cap="flat" cmpd="sng" algn="ctr">
+            <a:solidFill>
+              <a:schemeClr val="tx1">
+                <a:lumMod val="15000"/>
+                <a:lumOff val="85000"/>
+              </a:schemeClr>
+            </a:solidFill>
+            <a:round/>
+          </a:ln>
+          <a:effectLst/>
+        </c:spPr>
+        <c:txPr>
+          <a:bodyPr rot="-60000000" spcFirstLastPara="1" vertOverflow="ellipsis" vert="horz" wrap="square" anchor="ctr" anchorCtr="1"/>
+          <a:lstStyle/>
+          <a:p>
+            <a:pPr>
+              <a:defRPr sz="1197" b="0" i="0" u="none" strike="noStrike" kern="1200" baseline="0">
+                <a:solidFill>
+                  <a:schemeClr val="tx1">
+                    <a:lumMod val="65000"/>
+                    <a:lumOff val="35000"/>
+                  </a:schemeClr>
+                </a:solidFill>
+                <a:latin typeface="+mn-lt"/>
+                <a:ea typeface="+mn-ea"/>
+                <a:cs typeface="+mn-cs"/>
+              </a:defRPr>
+            </a:pPr>
+            <a:endParaRPr lang="en-US"/>
+          </a:p>
+        </c:txPr>
+        <c:crossAx val="136945792"/>
+        <c:crosses val="autoZero"/>
+        <c:auto val="1"/>
+        <c:lblAlgn val="ctr"/>
+        <c:lblOffset val="100"/>
+        <c:noMultiLvlLbl val="0"/>
+      </c:catAx>
+      <c:valAx>
+        <c:axId val="136945792"/>
+        <c:scaling>
+          <c:orientation val="minMax"/>
+        </c:scaling>
+        <c:delete val="0"/>
+        <c:axPos val="l"/>
+        <c:majorGridlines>
+          <c:spPr>
+            <a:ln w="9525" cap="flat" cmpd="sng" algn="ctr">
+              <a:solidFill>
+                <a:schemeClr val="bg1">
+                  <a:lumMod val="95000"/>
+                </a:schemeClr>
+              </a:solidFill>
+              <a:round/>
+            </a:ln>
+            <a:effectLst/>
+          </c:spPr>
+        </c:majorGridlines>
+        <c:numFmt formatCode="General" sourceLinked="1"/>
+        <c:majorTickMark val="none"/>
+        <c:minorTickMark val="none"/>
+        <c:tickLblPos val="nextTo"/>
+        <c:spPr>
+          <a:noFill/>
+          <a:ln>
+            <a:noFill/>
+          </a:ln>
+          <a:effectLst/>
+        </c:spPr>
+        <c:txPr>
+          <a:bodyPr rot="-60000000" spcFirstLastPara="1" vertOverflow="ellipsis" vert="horz" wrap="square" anchor="ctr" anchorCtr="1"/>
+          <a:lstStyle/>
+          <a:p>
+            <a:pPr>
+              <a:defRPr sz="1197" b="0" i="0" u="none" strike="noStrike" kern="1200" baseline="0">
+                <a:solidFill>
+                  <a:schemeClr val="tx1">
+                    <a:lumMod val="65000"/>
+                    <a:lumOff val="35000"/>
+                  </a:schemeClr>
+                </a:solidFill>
+                <a:latin typeface="+mn-lt"/>
+                <a:ea typeface="+mn-ea"/>
+                <a:cs typeface="+mn-cs"/>
+              </a:defRPr>
+            </a:pPr>
+            <a:endParaRPr lang="en-US"/>
+          </a:p>
+        </c:txPr>
+        <c:crossAx val="137483872"/>
         <c:crosses val="autoZero"/>
         <c:crossBetween val="between"/>
       </c:valAx>
@@ -1288,6 +2140,46 @@
 </cs:colorStyle>
 </file>
 
+<file path=ppt/charts/colors3.xml><?xml version="1.0" encoding="utf-8"?>
+<cs:colorStyle xmlns:cs="http://schemas.microsoft.com/office/drawing/2012/chartStyle" xmlns:a="http://schemas.openxmlformats.org/drawingml/2006/main" meth="cycle" id="10">
+  <a:schemeClr val="accent1"/>
+  <a:schemeClr val="accent2"/>
+  <a:schemeClr val="accent3"/>
+  <a:schemeClr val="accent4"/>
+  <a:schemeClr val="accent5"/>
+  <a:schemeClr val="accent6"/>
+  <cs:variation/>
+  <cs:variation>
+    <a:lumMod val="60000"/>
+  </cs:variation>
+  <cs:variation>
+    <a:lumMod val="80000"/>
+    <a:lumOff val="20000"/>
+  </cs:variation>
+  <cs:variation>
+    <a:lumMod val="80000"/>
+  </cs:variation>
+  <cs:variation>
+    <a:lumMod val="60000"/>
+    <a:lumOff val="40000"/>
+  </cs:variation>
+  <cs:variation>
+    <a:lumMod val="50000"/>
+  </cs:variation>
+  <cs:variation>
+    <a:lumMod val="70000"/>
+    <a:lumOff val="30000"/>
+  </cs:variation>
+  <cs:variation>
+    <a:lumMod val="70000"/>
+  </cs:variation>
+  <cs:variation>
+    <a:lumMod val="50000"/>
+    <a:lumOff val="50000"/>
+  </cs:variation>
+</cs:colorStyle>
+</file>
+
 <file path=ppt/charts/style1.xml><?xml version="1.0" encoding="utf-8"?>
 <cs:chartStyle xmlns:cs="http://schemas.microsoft.com/office/drawing/2012/chartStyle" xmlns:a="http://schemas.openxmlformats.org/drawingml/2006/main" id="317">
   <cs:axisTitle>
@@ -1794,6 +2686,511 @@
 </file>
 
 <file path=ppt/charts/style2.xml><?xml version="1.0" encoding="utf-8"?>
+<cs:chartStyle xmlns:cs="http://schemas.microsoft.com/office/drawing/2012/chartStyle" xmlns:a="http://schemas.openxmlformats.org/drawingml/2006/main" id="317">
+  <cs:axisTitle>
+    <cs:lnRef idx="0"/>
+    <cs:fillRef idx="0"/>
+    <cs:effectRef idx="0"/>
+    <cs:fontRef idx="minor">
+      <a:schemeClr val="tx1">
+        <a:lumMod val="65000"/>
+        <a:lumOff val="35000"/>
+      </a:schemeClr>
+    </cs:fontRef>
+    <cs:defRPr sz="1330" kern="1200"/>
+  </cs:axisTitle>
+  <cs:categoryAxis>
+    <cs:lnRef idx="0"/>
+    <cs:fillRef idx="0"/>
+    <cs:effectRef idx="0"/>
+    <cs:fontRef idx="minor">
+      <a:schemeClr val="tx1">
+        <a:lumMod val="65000"/>
+        <a:lumOff val="35000"/>
+      </a:schemeClr>
+    </cs:fontRef>
+    <cs:spPr>
+      <a:ln w="9525" cap="flat" cmpd="sng" algn="ctr">
+        <a:solidFill>
+          <a:schemeClr val="tx1">
+            <a:lumMod val="15000"/>
+            <a:lumOff val="85000"/>
+          </a:schemeClr>
+        </a:solidFill>
+        <a:round/>
+      </a:ln>
+    </cs:spPr>
+    <cs:defRPr sz="1197" kern="1200"/>
+  </cs:categoryAxis>
+  <cs:chartArea mods="allowNoFillOverride allowNoLineOverride">
+    <cs:lnRef idx="0"/>
+    <cs:fillRef idx="0"/>
+    <cs:effectRef idx="0"/>
+    <cs:fontRef idx="minor">
+      <a:schemeClr val="tx1"/>
+    </cs:fontRef>
+    <cs:spPr>
+      <a:solidFill>
+        <a:schemeClr val="bg1"/>
+      </a:solidFill>
+      <a:ln w="9525" cap="flat" cmpd="sng" algn="ctr">
+        <a:solidFill>
+          <a:schemeClr val="tx1">
+            <a:lumMod val="15000"/>
+            <a:lumOff val="85000"/>
+          </a:schemeClr>
+        </a:solidFill>
+        <a:round/>
+      </a:ln>
+    </cs:spPr>
+    <cs:defRPr sz="1330" kern="1200"/>
+  </cs:chartArea>
+  <cs:dataLabel>
+    <cs:lnRef idx="0"/>
+    <cs:fillRef idx="0"/>
+    <cs:effectRef idx="0"/>
+    <cs:fontRef idx="minor">
+      <a:schemeClr val="tx1">
+        <a:lumMod val="75000"/>
+        <a:lumOff val="25000"/>
+      </a:schemeClr>
+    </cs:fontRef>
+    <cs:defRPr sz="1197" kern="1200"/>
+  </cs:dataLabel>
+  <cs:dataLabelCallout>
+    <cs:lnRef idx="0"/>
+    <cs:fillRef idx="0"/>
+    <cs:effectRef idx="0"/>
+    <cs:fontRef idx="minor">
+      <a:schemeClr val="dk1">
+        <a:lumMod val="65000"/>
+        <a:lumOff val="35000"/>
+      </a:schemeClr>
+    </cs:fontRef>
+    <cs:spPr>
+      <a:solidFill>
+        <a:schemeClr val="lt1"/>
+      </a:solidFill>
+      <a:ln>
+        <a:solidFill>
+          <a:schemeClr val="dk1">
+            <a:lumMod val="25000"/>
+            <a:lumOff val="75000"/>
+          </a:schemeClr>
+        </a:solidFill>
+      </a:ln>
+    </cs:spPr>
+    <cs:defRPr sz="1197" kern="1200"/>
+    <cs:bodyPr rot="0" spcFirstLastPara="1" vertOverflow="clip" horzOverflow="clip" vert="horz" wrap="square" lIns="36576" tIns="18288" rIns="36576" bIns="18288" anchor="ctr" anchorCtr="1">
+      <a:spAutoFit/>
+    </cs:bodyPr>
+  </cs:dataLabelCallout>
+  <cs:dataPoint>
+    <cs:lnRef idx="0"/>
+    <cs:fillRef idx="1">
+      <cs:styleClr val="auto"/>
+    </cs:fillRef>
+    <cs:effectRef idx="0"/>
+    <cs:fontRef idx="minor">
+      <a:schemeClr val="tx1"/>
+    </cs:fontRef>
+  </cs:dataPoint>
+  <cs:dataPoint3D>
+    <cs:lnRef idx="0"/>
+    <cs:fillRef idx="1">
+      <cs:styleClr val="auto"/>
+    </cs:fillRef>
+    <cs:effectRef idx="0"/>
+    <cs:fontRef idx="minor">
+      <a:schemeClr val="tx1"/>
+    </cs:fontRef>
+  </cs:dataPoint3D>
+  <cs:dataPointLine>
+    <cs:lnRef idx="0">
+      <cs:styleClr val="auto"/>
+    </cs:lnRef>
+    <cs:fillRef idx="1"/>
+    <cs:effectRef idx="0"/>
+    <cs:fontRef idx="minor">
+      <a:schemeClr val="tx1"/>
+    </cs:fontRef>
+    <cs:spPr>
+      <a:ln w="28575" cap="rnd">
+        <a:solidFill>
+          <a:schemeClr val="phClr"/>
+        </a:solidFill>
+        <a:round/>
+      </a:ln>
+    </cs:spPr>
+  </cs:dataPointLine>
+  <cs:dataPointMarker>
+    <cs:lnRef idx="0">
+      <cs:styleClr val="auto"/>
+    </cs:lnRef>
+    <cs:fillRef idx="1">
+      <cs:styleClr val="auto"/>
+    </cs:fillRef>
+    <cs:effectRef idx="0"/>
+    <cs:fontRef idx="minor">
+      <a:schemeClr val="tx1"/>
+    </cs:fontRef>
+    <cs:spPr>
+      <a:ln w="9525">
+        <a:solidFill>
+          <a:schemeClr val="phClr"/>
+        </a:solidFill>
+      </a:ln>
+    </cs:spPr>
+  </cs:dataPointMarker>
+  <cs:dataPointMarkerLayout symbol="circle" size="5"/>
+  <cs:dataPointWireframe>
+    <cs:lnRef idx="0">
+      <cs:styleClr val="auto"/>
+    </cs:lnRef>
+    <cs:fillRef idx="1"/>
+    <cs:effectRef idx="0"/>
+    <cs:fontRef idx="minor">
+      <a:schemeClr val="tx1"/>
+    </cs:fontRef>
+    <cs:spPr>
+      <a:ln w="9525" cap="rnd">
+        <a:solidFill>
+          <a:schemeClr val="phClr"/>
+        </a:solidFill>
+        <a:round/>
+      </a:ln>
+    </cs:spPr>
+  </cs:dataPointWireframe>
+  <cs:dataTable>
+    <cs:lnRef idx="0"/>
+    <cs:fillRef idx="0"/>
+    <cs:effectRef idx="0"/>
+    <cs:fontRef idx="minor">
+      <a:schemeClr val="tx1">
+        <a:lumMod val="65000"/>
+        <a:lumOff val="35000"/>
+      </a:schemeClr>
+    </cs:fontRef>
+    <cs:spPr>
+      <a:noFill/>
+      <a:ln w="9525" cap="flat" cmpd="sng" algn="ctr">
+        <a:solidFill>
+          <a:schemeClr val="tx1">
+            <a:lumMod val="15000"/>
+            <a:lumOff val="85000"/>
+          </a:schemeClr>
+        </a:solidFill>
+        <a:round/>
+      </a:ln>
+    </cs:spPr>
+    <cs:defRPr sz="1197" kern="1200"/>
+  </cs:dataTable>
+  <cs:downBar>
+    <cs:lnRef idx="0"/>
+    <cs:fillRef idx="0"/>
+    <cs:effectRef idx="0"/>
+    <cs:fontRef idx="minor">
+      <a:schemeClr val="tx1"/>
+    </cs:fontRef>
+    <cs:spPr>
+      <a:solidFill>
+        <a:schemeClr val="dk1">
+          <a:lumMod val="75000"/>
+          <a:lumOff val="25000"/>
+        </a:schemeClr>
+      </a:solidFill>
+      <a:ln w="9525" cap="flat" cmpd="sng" algn="ctr">
+        <a:solidFill>
+          <a:schemeClr val="tx1">
+            <a:lumMod val="65000"/>
+            <a:lumOff val="35000"/>
+          </a:schemeClr>
+        </a:solidFill>
+        <a:round/>
+      </a:ln>
+    </cs:spPr>
+  </cs:downBar>
+  <cs:dropLine>
+    <cs:lnRef idx="0"/>
+    <cs:fillRef idx="0"/>
+    <cs:effectRef idx="0"/>
+    <cs:fontRef idx="minor">
+      <a:schemeClr val="tx1"/>
+    </cs:fontRef>
+    <cs:spPr>
+      <a:ln w="9525" cap="flat" cmpd="sng" algn="ctr">
+        <a:solidFill>
+          <a:schemeClr val="tx1">
+            <a:lumMod val="35000"/>
+            <a:lumOff val="65000"/>
+          </a:schemeClr>
+        </a:solidFill>
+        <a:round/>
+      </a:ln>
+    </cs:spPr>
+  </cs:dropLine>
+  <cs:errorBar>
+    <cs:lnRef idx="0"/>
+    <cs:fillRef idx="0"/>
+    <cs:effectRef idx="0"/>
+    <cs:fontRef idx="minor">
+      <a:schemeClr val="tx1"/>
+    </cs:fontRef>
+    <cs:spPr>
+      <a:ln w="9525" cap="flat" cmpd="sng" algn="ctr">
+        <a:solidFill>
+          <a:schemeClr val="tx1">
+            <a:lumMod val="65000"/>
+            <a:lumOff val="35000"/>
+          </a:schemeClr>
+        </a:solidFill>
+        <a:round/>
+      </a:ln>
+    </cs:spPr>
+  </cs:errorBar>
+  <cs:floor>
+    <cs:lnRef idx="0"/>
+    <cs:fillRef idx="0"/>
+    <cs:effectRef idx="0"/>
+    <cs:fontRef idx="minor">
+      <a:schemeClr val="tx1"/>
+    </cs:fontRef>
+    <cs:spPr>
+      <a:noFill/>
+      <a:ln>
+        <a:noFill/>
+      </a:ln>
+    </cs:spPr>
+  </cs:floor>
+  <cs:gridlineMajor>
+    <cs:lnRef idx="0"/>
+    <cs:fillRef idx="0"/>
+    <cs:effectRef idx="0"/>
+    <cs:fontRef idx="minor">
+      <a:schemeClr val="tx1"/>
+    </cs:fontRef>
+    <cs:spPr>
+      <a:ln w="9525" cap="flat" cmpd="sng" algn="ctr">
+        <a:solidFill>
+          <a:schemeClr val="tx1">
+            <a:lumMod val="15000"/>
+            <a:lumOff val="85000"/>
+          </a:schemeClr>
+        </a:solidFill>
+        <a:round/>
+      </a:ln>
+    </cs:spPr>
+  </cs:gridlineMajor>
+  <cs:gridlineMinor>
+    <cs:lnRef idx="0"/>
+    <cs:fillRef idx="0"/>
+    <cs:effectRef idx="0"/>
+    <cs:fontRef idx="minor">
+      <a:schemeClr val="tx1"/>
+    </cs:fontRef>
+    <cs:spPr>
+      <a:ln w="9525" cap="flat" cmpd="sng" algn="ctr">
+        <a:solidFill>
+          <a:schemeClr val="tx1">
+            <a:lumMod val="5000"/>
+            <a:lumOff val="95000"/>
+          </a:schemeClr>
+        </a:solidFill>
+        <a:round/>
+      </a:ln>
+    </cs:spPr>
+  </cs:gridlineMinor>
+  <cs:hiLoLine>
+    <cs:lnRef idx="0"/>
+    <cs:fillRef idx="0"/>
+    <cs:effectRef idx="0"/>
+    <cs:fontRef idx="minor">
+      <a:schemeClr val="tx1"/>
+    </cs:fontRef>
+    <cs:spPr>
+      <a:ln w="9525" cap="flat" cmpd="sng" algn="ctr">
+        <a:solidFill>
+          <a:schemeClr val="tx1">
+            <a:lumMod val="50000"/>
+            <a:lumOff val="50000"/>
+          </a:schemeClr>
+        </a:solidFill>
+        <a:round/>
+      </a:ln>
+    </cs:spPr>
+  </cs:hiLoLine>
+  <cs:leaderLine>
+    <cs:lnRef idx="0"/>
+    <cs:fillRef idx="0"/>
+    <cs:effectRef idx="0"/>
+    <cs:fontRef idx="minor">
+      <a:schemeClr val="tx1"/>
+    </cs:fontRef>
+    <cs:spPr>
+      <a:ln w="9525" cap="flat" cmpd="sng" algn="ctr">
+        <a:solidFill>
+          <a:schemeClr val="tx1">
+            <a:lumMod val="35000"/>
+            <a:lumOff val="65000"/>
+          </a:schemeClr>
+        </a:solidFill>
+        <a:round/>
+      </a:ln>
+    </cs:spPr>
+  </cs:leaderLine>
+  <cs:legend>
+    <cs:lnRef idx="0"/>
+    <cs:fillRef idx="0"/>
+    <cs:effectRef idx="0"/>
+    <cs:fontRef idx="minor">
+      <a:schemeClr val="tx1">
+        <a:lumMod val="65000"/>
+        <a:lumOff val="35000"/>
+      </a:schemeClr>
+    </cs:fontRef>
+    <cs:defRPr sz="1197" kern="1200"/>
+  </cs:legend>
+  <cs:plotArea mods="allowNoFillOverride allowNoLineOverride">
+    <cs:lnRef idx="0"/>
+    <cs:fillRef idx="0"/>
+    <cs:effectRef idx="0"/>
+    <cs:fontRef idx="minor">
+      <a:schemeClr val="tx1"/>
+    </cs:fontRef>
+  </cs:plotArea>
+  <cs:plotArea3D mods="allowNoFillOverride allowNoLineOverride">
+    <cs:lnRef idx="0"/>
+    <cs:fillRef idx="0"/>
+    <cs:effectRef idx="0"/>
+    <cs:fontRef idx="minor">
+      <a:schemeClr val="tx1"/>
+    </cs:fontRef>
+  </cs:plotArea3D>
+  <cs:seriesAxis>
+    <cs:lnRef idx="0"/>
+    <cs:fillRef idx="0"/>
+    <cs:effectRef idx="0"/>
+    <cs:fontRef idx="minor">
+      <a:schemeClr val="tx1">
+        <a:lumMod val="65000"/>
+        <a:lumOff val="35000"/>
+      </a:schemeClr>
+    </cs:fontRef>
+    <cs:defRPr sz="1197" kern="1200"/>
+  </cs:seriesAxis>
+  <cs:seriesLine>
+    <cs:lnRef idx="0"/>
+    <cs:fillRef idx="0"/>
+    <cs:effectRef idx="0"/>
+    <cs:fontRef idx="minor">
+      <a:schemeClr val="tx1"/>
+    </cs:fontRef>
+    <cs:spPr>
+      <a:ln w="9525" cap="flat" cmpd="sng" algn="ctr">
+        <a:solidFill>
+          <a:schemeClr val="tx1">
+            <a:lumMod val="35000"/>
+            <a:lumOff val="65000"/>
+          </a:schemeClr>
+        </a:solidFill>
+        <a:round/>
+      </a:ln>
+    </cs:spPr>
+  </cs:seriesLine>
+  <cs:title>
+    <cs:lnRef idx="0"/>
+    <cs:fillRef idx="0"/>
+    <cs:effectRef idx="0"/>
+    <cs:fontRef idx="minor">
+      <a:schemeClr val="tx1">
+        <a:lumMod val="65000"/>
+        <a:lumOff val="35000"/>
+      </a:schemeClr>
+    </cs:fontRef>
+    <cs:defRPr sz="1862" b="0" kern="1200" spc="0" baseline="0"/>
+  </cs:title>
+  <cs:trendline>
+    <cs:lnRef idx="0">
+      <cs:styleClr val="auto"/>
+    </cs:lnRef>
+    <cs:fillRef idx="0"/>
+    <cs:effectRef idx="0"/>
+    <cs:fontRef idx="minor">
+      <a:schemeClr val="tx1"/>
+    </cs:fontRef>
+    <cs:spPr>
+      <a:ln w="19050" cap="rnd">
+        <a:solidFill>
+          <a:schemeClr val="phClr"/>
+        </a:solidFill>
+        <a:prstDash val="sysDot"/>
+      </a:ln>
+    </cs:spPr>
+  </cs:trendline>
+  <cs:trendlineLabel>
+    <cs:lnRef idx="0"/>
+    <cs:fillRef idx="0"/>
+    <cs:effectRef idx="0"/>
+    <cs:fontRef idx="minor">
+      <a:schemeClr val="tx1">
+        <a:lumMod val="65000"/>
+        <a:lumOff val="35000"/>
+      </a:schemeClr>
+    </cs:fontRef>
+    <cs:defRPr sz="1197" kern="1200"/>
+  </cs:trendlineLabel>
+  <cs:upBar>
+    <cs:lnRef idx="0"/>
+    <cs:fillRef idx="0"/>
+    <cs:effectRef idx="0"/>
+    <cs:fontRef idx="minor">
+      <a:schemeClr val="tx1"/>
+    </cs:fontRef>
+    <cs:spPr>
+      <a:solidFill>
+        <a:schemeClr val="lt1"/>
+      </a:solidFill>
+      <a:ln w="9525" cap="flat" cmpd="sng" algn="ctr">
+        <a:solidFill>
+          <a:schemeClr val="tx1">
+            <a:lumMod val="65000"/>
+            <a:lumOff val="35000"/>
+          </a:schemeClr>
+        </a:solidFill>
+        <a:round/>
+      </a:ln>
+    </cs:spPr>
+  </cs:upBar>
+  <cs:valueAxis>
+    <cs:lnRef idx="0"/>
+    <cs:fillRef idx="0"/>
+    <cs:effectRef idx="0"/>
+    <cs:fontRef idx="minor">
+      <a:schemeClr val="tx1">
+        <a:lumMod val="65000"/>
+        <a:lumOff val="35000"/>
+      </a:schemeClr>
+    </cs:fontRef>
+    <cs:defRPr sz="1197" kern="1200"/>
+  </cs:valueAxis>
+  <cs:wall>
+    <cs:lnRef idx="0"/>
+    <cs:fillRef idx="0"/>
+    <cs:effectRef idx="0"/>
+    <cs:fontRef idx="minor">
+      <a:schemeClr val="tx1"/>
+    </cs:fontRef>
+    <cs:spPr>
+      <a:noFill/>
+      <a:ln>
+        <a:noFill/>
+      </a:ln>
+    </cs:spPr>
+  </cs:wall>
+</cs:chartStyle>
+</file>
+
+<file path=ppt/charts/style3.xml><?xml version="1.0" encoding="utf-8"?>
 <cs:chartStyle xmlns:cs="http://schemas.microsoft.com/office/drawing/2012/chartStyle" xmlns:a="http://schemas.openxmlformats.org/drawingml/2006/main" id="317">
   <cs:axisTitle>
     <cs:lnRef idx="0"/>
@@ -5514,64 +6911,6 @@
       </p:grpSpPr>
       <p:graphicFrame>
         <p:nvGraphicFramePr>
-          <p:cNvPr id="4" name="Chart 3">
-            <a:extLst>
-              <a:ext uri="{FF2B5EF4-FFF2-40B4-BE49-F238E27FC236}">
-                <a16:creationId xmlns:a16="http://schemas.microsoft.com/office/drawing/2014/main" id="{CA115021-1A74-EA4A-9203-E623C79D1394}"/>
-              </a:ext>
-            </a:extLst>
-          </p:cNvPr>
-          <p:cNvGraphicFramePr/>
-          <p:nvPr>
-            <p:extLst>
-              <p:ext uri="{D42A27DB-BD31-4B8C-83A1-F6EECF244321}">
-                <p14:modId xmlns:p14="http://schemas.microsoft.com/office/powerpoint/2010/main" val="1583036747"/>
-              </p:ext>
-            </p:extLst>
-          </p:nvPr>
-        </p:nvGraphicFramePr>
-        <p:xfrm>
-          <a:off x="2032000" y="719666"/>
-          <a:ext cx="8128000" cy="5418667"/>
-        </p:xfrm>
-        <a:graphic>
-          <a:graphicData uri="http://schemas.openxmlformats.org/drawingml/2006/chart">
-            <c:chart xmlns:c="http://schemas.openxmlformats.org/drawingml/2006/chart" xmlns:r="http://schemas.openxmlformats.org/officeDocument/2006/relationships" r:id="rId2"/>
-          </a:graphicData>
-        </a:graphic>
-      </p:graphicFrame>
-    </p:spTree>
-    <p:extLst>
-      <p:ext uri="{BB962C8B-B14F-4D97-AF65-F5344CB8AC3E}">
-        <p14:creationId xmlns:p14="http://schemas.microsoft.com/office/powerpoint/2010/main" val="459583169"/>
-      </p:ext>
-    </p:extLst>
-  </p:cSld>
-  <p:clrMapOvr>
-    <a:masterClrMapping/>
-  </p:clrMapOvr>
-</p:sld>
-</file>
-
-<file path=ppt/slides/slide2.xml><?xml version="1.0" encoding="utf-8"?>
-<p:sld xmlns:a="http://schemas.openxmlformats.org/drawingml/2006/main" xmlns:r="http://schemas.openxmlformats.org/officeDocument/2006/relationships" xmlns:p="http://schemas.openxmlformats.org/presentationml/2006/main">
-  <p:cSld>
-    <p:spTree>
-      <p:nvGrpSpPr>
-        <p:cNvPr id="1" name=""/>
-        <p:cNvGrpSpPr/>
-        <p:nvPr/>
-      </p:nvGrpSpPr>
-      <p:grpSpPr>
-        <a:xfrm>
-          <a:off x="0" y="0"/>
-          <a:ext cx="0" cy="0"/>
-          <a:chOff x="0" y="0"/>
-          <a:chExt cx="0" cy="0"/>
-        </a:xfrm>
-      </p:grpSpPr>
-      <p:graphicFrame>
-        <p:nvGraphicFramePr>
           <p:cNvPr id="2" name="Chart 1">
             <a:extLst>
               <a:ext uri="{FF2B5EF4-FFF2-40B4-BE49-F238E27FC236}">
@@ -5583,7 +6922,7 @@
           <p:nvPr>
             <p:extLst>
               <p:ext uri="{D42A27DB-BD31-4B8C-83A1-F6EECF244321}">
-                <p14:modId xmlns:p14="http://schemas.microsoft.com/office/powerpoint/2010/main" val="2247753435"/>
+                <p14:modId xmlns:p14="http://schemas.microsoft.com/office/powerpoint/2010/main" val="1727882009"/>
               </p:ext>
             </p:extLst>
           </p:nvPr>
@@ -5634,6 +6973,122 @@
     <p:extLst>
       <p:ext uri="{BB962C8B-B14F-4D97-AF65-F5344CB8AC3E}">
         <p14:creationId xmlns:p14="http://schemas.microsoft.com/office/powerpoint/2010/main" val="610337316"/>
+      </p:ext>
+    </p:extLst>
+  </p:cSld>
+  <p:clrMapOvr>
+    <a:masterClrMapping/>
+  </p:clrMapOvr>
+</p:sld>
+</file>
+
+<file path=ppt/slides/slide2.xml><?xml version="1.0" encoding="utf-8"?>
+<p:sld xmlns:a="http://schemas.openxmlformats.org/drawingml/2006/main" xmlns:r="http://schemas.openxmlformats.org/officeDocument/2006/relationships" xmlns:p="http://schemas.openxmlformats.org/presentationml/2006/main">
+  <p:cSld>
+    <p:spTree>
+      <p:nvGrpSpPr>
+        <p:cNvPr id="1" name=""/>
+        <p:cNvGrpSpPr/>
+        <p:nvPr/>
+      </p:nvGrpSpPr>
+      <p:grpSpPr>
+        <a:xfrm>
+          <a:off x="0" y="0"/>
+          <a:ext cx="0" cy="0"/>
+          <a:chOff x="0" y="0"/>
+          <a:chExt cx="0" cy="0"/>
+        </a:xfrm>
+      </p:grpSpPr>
+      <p:graphicFrame>
+        <p:nvGraphicFramePr>
+          <p:cNvPr id="4" name="Chart 3">
+            <a:extLst>
+              <a:ext uri="{FF2B5EF4-FFF2-40B4-BE49-F238E27FC236}">
+                <a16:creationId xmlns:a16="http://schemas.microsoft.com/office/drawing/2014/main" id="{CA115021-1A74-EA4A-9203-E623C79D1394}"/>
+              </a:ext>
+            </a:extLst>
+          </p:cNvPr>
+          <p:cNvGraphicFramePr/>
+          <p:nvPr>
+            <p:extLst>
+              <p:ext uri="{D42A27DB-BD31-4B8C-83A1-F6EECF244321}">
+                <p14:modId xmlns:p14="http://schemas.microsoft.com/office/powerpoint/2010/main" val="114404518"/>
+              </p:ext>
+            </p:extLst>
+          </p:nvPr>
+        </p:nvGraphicFramePr>
+        <p:xfrm>
+          <a:off x="2032000" y="719666"/>
+          <a:ext cx="8128000" cy="5418667"/>
+        </p:xfrm>
+        <a:graphic>
+          <a:graphicData uri="http://schemas.openxmlformats.org/drawingml/2006/chart">
+            <c:chart xmlns:c="http://schemas.openxmlformats.org/drawingml/2006/chart" xmlns:r="http://schemas.openxmlformats.org/officeDocument/2006/relationships" r:id="rId2"/>
+          </a:graphicData>
+        </a:graphic>
+      </p:graphicFrame>
+    </p:spTree>
+    <p:extLst>
+      <p:ext uri="{BB962C8B-B14F-4D97-AF65-F5344CB8AC3E}">
+        <p14:creationId xmlns:p14="http://schemas.microsoft.com/office/powerpoint/2010/main" val="4265522379"/>
+      </p:ext>
+    </p:extLst>
+  </p:cSld>
+  <p:clrMapOvr>
+    <a:masterClrMapping/>
+  </p:clrMapOvr>
+</p:sld>
+</file>
+
+<file path=ppt/slides/slide3.xml><?xml version="1.0" encoding="utf-8"?>
+<p:sld xmlns:a="http://schemas.openxmlformats.org/drawingml/2006/main" xmlns:r="http://schemas.openxmlformats.org/officeDocument/2006/relationships" xmlns:p="http://schemas.openxmlformats.org/presentationml/2006/main">
+  <p:cSld>
+    <p:spTree>
+      <p:nvGrpSpPr>
+        <p:cNvPr id="1" name=""/>
+        <p:cNvGrpSpPr/>
+        <p:nvPr/>
+      </p:nvGrpSpPr>
+      <p:grpSpPr>
+        <a:xfrm>
+          <a:off x="0" y="0"/>
+          <a:ext cx="0" cy="0"/>
+          <a:chOff x="0" y="0"/>
+          <a:chExt cx="0" cy="0"/>
+        </a:xfrm>
+      </p:grpSpPr>
+      <p:graphicFrame>
+        <p:nvGraphicFramePr>
+          <p:cNvPr id="4" name="Chart 3">
+            <a:extLst>
+              <a:ext uri="{FF2B5EF4-FFF2-40B4-BE49-F238E27FC236}">
+                <a16:creationId xmlns:a16="http://schemas.microsoft.com/office/drawing/2014/main" id="{CA115021-1A74-EA4A-9203-E623C79D1394}"/>
+              </a:ext>
+            </a:extLst>
+          </p:cNvPr>
+          <p:cNvGraphicFramePr/>
+          <p:nvPr>
+            <p:extLst>
+              <p:ext uri="{D42A27DB-BD31-4B8C-83A1-F6EECF244321}">
+                <p14:modId xmlns:p14="http://schemas.microsoft.com/office/powerpoint/2010/main" val="1176140080"/>
+              </p:ext>
+            </p:extLst>
+          </p:nvPr>
+        </p:nvGraphicFramePr>
+        <p:xfrm>
+          <a:off x="2032000" y="719666"/>
+          <a:ext cx="8128000" cy="5418667"/>
+        </p:xfrm>
+        <a:graphic>
+          <a:graphicData uri="http://schemas.openxmlformats.org/drawingml/2006/chart">
+            <c:chart xmlns:c="http://schemas.openxmlformats.org/drawingml/2006/chart" xmlns:r="http://schemas.openxmlformats.org/officeDocument/2006/relationships" r:id="rId2"/>
+          </a:graphicData>
+        </a:graphic>
+      </p:graphicFrame>
+    </p:spTree>
+    <p:extLst>
+      <p:ext uri="{BB962C8B-B14F-4D97-AF65-F5344CB8AC3E}">
+        <p14:creationId xmlns:p14="http://schemas.microsoft.com/office/powerpoint/2010/main" val="459583169"/>
       </p:ext>
     </p:extLst>
   </p:cSld>

--- a/api-days-paris-dec-2018/img/compass-examples.pptx
+++ b/api-days-paris-dec-2018/img/compass-examples.pptx
@@ -1659,19 +1659,34 @@
                 <c:formatCode>General</c:formatCode>
                 <c:ptCount val="10"/>
                 <c:pt idx="0">
-                  <c:v>32</c:v>
+                  <c:v>3</c:v>
                 </c:pt>
                 <c:pt idx="1">
-                  <c:v>32</c:v>
+                  <c:v>4</c:v>
                 </c:pt>
                 <c:pt idx="2">
-                  <c:v>28</c:v>
+                  <c:v>5</c:v>
                 </c:pt>
                 <c:pt idx="3">
-                  <c:v>12</c:v>
+                  <c:v>7</c:v>
                 </c:pt>
                 <c:pt idx="4">
-                  <c:v>15</c:v>
+                  <c:v>1</c:v>
+                </c:pt>
+                <c:pt idx="5">
+                  <c:v>1</c:v>
+                </c:pt>
+                <c:pt idx="6">
+                  <c:v>4</c:v>
+                </c:pt>
+                <c:pt idx="7">
+                  <c:v>1</c:v>
+                </c:pt>
+                <c:pt idx="8">
+                  <c:v>1</c:v>
+                </c:pt>
+                <c:pt idx="9">
+                  <c:v>1</c:v>
                 </c:pt>
               </c:numCache>
             </c:numRef>
@@ -1753,19 +1768,34 @@
                 <c:formatCode>General</c:formatCode>
                 <c:ptCount val="10"/>
                 <c:pt idx="0">
-                  <c:v>12</c:v>
+                  <c:v>5</c:v>
                 </c:pt>
                 <c:pt idx="1">
-                  <c:v>12</c:v>
+                  <c:v>6</c:v>
                 </c:pt>
                 <c:pt idx="2">
-                  <c:v>12</c:v>
+                  <c:v>6</c:v>
                 </c:pt>
                 <c:pt idx="3">
-                  <c:v>21</c:v>
+                  <c:v>4</c:v>
                 </c:pt>
                 <c:pt idx="4">
-                  <c:v>28</c:v>
+                  <c:v>4</c:v>
+                </c:pt>
+                <c:pt idx="5">
+                  <c:v>4</c:v>
+                </c:pt>
+                <c:pt idx="6">
+                  <c:v>6</c:v>
+                </c:pt>
+                <c:pt idx="7">
+                  <c:v>2</c:v>
+                </c:pt>
+                <c:pt idx="8">
+                  <c:v>1</c:v>
+                </c:pt>
+                <c:pt idx="9">
+                  <c:v>3</c:v>
                 </c:pt>
               </c:numCache>
             </c:numRef>
@@ -1847,19 +1877,34 @@
                 <c:formatCode>General</c:formatCode>
                 <c:ptCount val="10"/>
                 <c:pt idx="0">
-                  <c:v>12</c:v>
+                  <c:v>1</c:v>
                 </c:pt>
                 <c:pt idx="1">
-                  <c:v>12</c:v>
+                  <c:v>2</c:v>
                 </c:pt>
                 <c:pt idx="2">
-                  <c:v>12</c:v>
+                  <c:v>2</c:v>
                 </c:pt>
                 <c:pt idx="3">
-                  <c:v>21</c:v>
+                  <c:v>5</c:v>
                 </c:pt>
                 <c:pt idx="4">
-                  <c:v>28</c:v>
+                  <c:v>3</c:v>
+                </c:pt>
+                <c:pt idx="5">
+                  <c:v>2</c:v>
+                </c:pt>
+                <c:pt idx="6">
+                  <c:v>5</c:v>
+                </c:pt>
+                <c:pt idx="7">
+                  <c:v>3</c:v>
+                </c:pt>
+                <c:pt idx="8">
+                  <c:v>2</c:v>
+                </c:pt>
+                <c:pt idx="9">
+                  <c:v>2</c:v>
                 </c:pt>
               </c:numCache>
             </c:numRef>
@@ -7070,7 +7115,7 @@
           <p:nvPr>
             <p:extLst>
               <p:ext uri="{D42A27DB-BD31-4B8C-83A1-F6EECF244321}">
-                <p14:modId xmlns:p14="http://schemas.microsoft.com/office/powerpoint/2010/main" val="1176140080"/>
+                <p14:modId xmlns:p14="http://schemas.microsoft.com/office/powerpoint/2010/main" val="1023446657"/>
               </p:ext>
             </p:extLst>
           </p:nvPr>
